--- a/Automobile.pptx
+++ b/Automobile.pptx
@@ -121,7 +121,7 @@
   </p:defaultTextStyle>
   <p:extLst>
     <p:ext uri="{EFAFB233-063F-42B5-8137-9DF3F51BA10A}">
-      <p15:sldGuideLst xmlns:p15="http://schemas.microsoft.com/office/powerpoint/2012/main"/>
+      <p15:sldGuideLst xmlns:p15="http://schemas.microsoft.com/office/powerpoint/2012/main" xmlns=""/>
     </p:ext>
   </p:extLst>
 </p:presentation>
@@ -157,7 +157,7 @@
           <p:cNvPr id="10" name="Rectangle 9">
             <a:extLst>
               <a:ext uri="{FF2B5EF4-FFF2-40B4-BE49-F238E27FC236}">
-                <a16:creationId xmlns:a16="http://schemas.microsoft.com/office/drawing/2014/main" id="{39E3965E-AC41-4711-9D10-E25ABB132D86}"/>
+                <a16:creationId xmlns:a16="http://schemas.microsoft.com/office/drawing/2014/main" xmlns="" id="{39E3965E-AC41-4711-9D10-E25ABB132D86}"/>
               </a:ext>
             </a:extLst>
           </p:cNvPr>
@@ -317,7 +317,7 @@
           <p:cNvPr id="9" name="Straight Connector 8">
             <a:extLst>
               <a:ext uri="{FF2B5EF4-FFF2-40B4-BE49-F238E27FC236}">
-                <a16:creationId xmlns:a16="http://schemas.microsoft.com/office/drawing/2014/main" id="{1F5DC8C3-BA5F-4EED-BB9A-A14272BD82A1}"/>
+                <a16:creationId xmlns:a16="http://schemas.microsoft.com/office/drawing/2014/main" xmlns="" id="{1F5DC8C3-BA5F-4EED-BB9A-A14272BD82A1}"/>
               </a:ext>
             </a:extLst>
           </p:cNvPr>
@@ -361,7 +361,7 @@
           <p:cNvPr id="4" name="Date Placeholder 3">
             <a:extLst>
               <a:ext uri="{FF2B5EF4-FFF2-40B4-BE49-F238E27FC236}">
-                <a16:creationId xmlns:a16="http://schemas.microsoft.com/office/drawing/2014/main" id="{9925CCF1-92C0-4AF3-BFAF-4921631915AB}"/>
+                <a16:creationId xmlns:a16="http://schemas.microsoft.com/office/drawing/2014/main" xmlns="" id="{9925CCF1-92C0-4AF3-BFAF-4921631915AB}"/>
               </a:ext>
             </a:extLst>
           </p:cNvPr>
@@ -379,7 +379,7 @@
           <a:p>
             <a:fld id="{9184DA70-C731-4C70-880D-CCD4705E623C}" type="datetime1">
               <a:rPr lang="en-US" smtClean="0"/>
-              <a:t>4/30/2020</a:t>
+              <a:t>10/5/2021</a:t>
             </a:fld>
             <a:endParaRPr lang="en-US" dirty="0"/>
           </a:p>
@@ -390,7 +390,7 @@
           <p:cNvPr id="5" name="Footer Placeholder 4">
             <a:extLst>
               <a:ext uri="{FF2B5EF4-FFF2-40B4-BE49-F238E27FC236}">
-                <a16:creationId xmlns:a16="http://schemas.microsoft.com/office/drawing/2014/main" id="{051A78A9-3DFF-4937-A9F2-5D8CF495F367}"/>
+                <a16:creationId xmlns:a16="http://schemas.microsoft.com/office/drawing/2014/main" xmlns="" id="{051A78A9-3DFF-4937-A9F2-5D8CF495F367}"/>
               </a:ext>
             </a:extLst>
           </p:cNvPr>
@@ -415,7 +415,7 @@
           <p:cNvPr id="6" name="Slide Number Placeholder 5">
             <a:extLst>
               <a:ext uri="{FF2B5EF4-FFF2-40B4-BE49-F238E27FC236}">
-                <a16:creationId xmlns:a16="http://schemas.microsoft.com/office/drawing/2014/main" id="{5FAEB271-5CC0-4759-BC6E-8BE53AB227C0}"/>
+                <a16:creationId xmlns:a16="http://schemas.microsoft.com/office/drawing/2014/main" xmlns="" id="{5FAEB271-5CC0-4759-BC6E-8BE53AB227C0}"/>
               </a:ext>
             </a:extLst>
           </p:cNvPr>
@@ -549,7 +549,7 @@
           <p:cNvPr id="7" name="Date Placeholder 6">
             <a:extLst>
               <a:ext uri="{FF2B5EF4-FFF2-40B4-BE49-F238E27FC236}">
-                <a16:creationId xmlns:a16="http://schemas.microsoft.com/office/drawing/2014/main" id="{7D5506EE-1026-4F35-9ACC-BD05BE0F9B36}"/>
+                <a16:creationId xmlns:a16="http://schemas.microsoft.com/office/drawing/2014/main" xmlns="" id="{7D5506EE-1026-4F35-9ACC-BD05BE0F9B36}"/>
               </a:ext>
             </a:extLst>
           </p:cNvPr>
@@ -567,7 +567,7 @@
           <a:p>
             <a:fld id="{B612A279-0833-481D-8C56-F67FD0AC6C50}" type="datetime1">
               <a:rPr lang="en-US" smtClean="0"/>
-              <a:t>4/30/2020</a:t>
+              <a:t>10/5/2021</a:t>
             </a:fld>
             <a:endParaRPr lang="en-US" dirty="0"/>
           </a:p>
@@ -578,7 +578,7 @@
           <p:cNvPr id="8" name="Footer Placeholder 7">
             <a:extLst>
               <a:ext uri="{FF2B5EF4-FFF2-40B4-BE49-F238E27FC236}">
-                <a16:creationId xmlns:a16="http://schemas.microsoft.com/office/drawing/2014/main" id="{B7696E5F-8D95-4450-AE52-5438E6EDE2BF}"/>
+                <a16:creationId xmlns:a16="http://schemas.microsoft.com/office/drawing/2014/main" xmlns="" id="{B7696E5F-8D95-4450-AE52-5438E6EDE2BF}"/>
               </a:ext>
             </a:extLst>
           </p:cNvPr>
@@ -603,7 +603,7 @@
           <p:cNvPr id="9" name="Slide Number Placeholder 8">
             <a:extLst>
               <a:ext uri="{FF2B5EF4-FFF2-40B4-BE49-F238E27FC236}">
-                <a16:creationId xmlns:a16="http://schemas.microsoft.com/office/drawing/2014/main" id="{999B2253-74CC-409E-BEB0-F8EFCFCB5629}"/>
+                <a16:creationId xmlns:a16="http://schemas.microsoft.com/office/drawing/2014/main" xmlns="" id="{999B2253-74CC-409E-BEB0-F8EFCFCB5629}"/>
               </a:ext>
             </a:extLst>
           </p:cNvPr>
@@ -662,7 +662,7 @@
           <p:cNvPr id="9" name="Rectangle 8">
             <a:extLst>
               <a:ext uri="{FF2B5EF4-FFF2-40B4-BE49-F238E27FC236}">
-                <a16:creationId xmlns:a16="http://schemas.microsoft.com/office/drawing/2014/main" id="{E1B68A5B-D9FA-424B-A4EB-30E7223836B3}"/>
+                <a16:creationId xmlns:a16="http://schemas.microsoft.com/office/drawing/2014/main" xmlns="" id="{E1B68A5B-D9FA-424B-A4EB-30E7223836B3}"/>
               </a:ext>
             </a:extLst>
           </p:cNvPr>
@@ -791,7 +791,7 @@
           <p:cNvPr id="7" name="Date Placeholder 6">
             <a:extLst>
               <a:ext uri="{FF2B5EF4-FFF2-40B4-BE49-F238E27FC236}">
-                <a16:creationId xmlns:a16="http://schemas.microsoft.com/office/drawing/2014/main" id="{AF33D6B0-F070-45C4-A472-19F432BE3932}"/>
+                <a16:creationId xmlns:a16="http://schemas.microsoft.com/office/drawing/2014/main" xmlns="" id="{AF33D6B0-F070-45C4-A472-19F432BE3932}"/>
               </a:ext>
             </a:extLst>
           </p:cNvPr>
@@ -809,7 +809,7 @@
           <a:p>
             <a:fld id="{6587DA83-5663-4C9C-B9AA-0B40A3DAFF81}" type="datetime1">
               <a:rPr lang="en-US" smtClean="0"/>
-              <a:t>4/30/2020</a:t>
+              <a:t>10/5/2021</a:t>
             </a:fld>
             <a:endParaRPr lang="en-US" dirty="0"/>
           </a:p>
@@ -820,7 +820,7 @@
           <p:cNvPr id="8" name="Footer Placeholder 7">
             <a:extLst>
               <a:ext uri="{FF2B5EF4-FFF2-40B4-BE49-F238E27FC236}">
-                <a16:creationId xmlns:a16="http://schemas.microsoft.com/office/drawing/2014/main" id="{9975399F-DAB2-410D-967F-ED17E6F796E7}"/>
+                <a16:creationId xmlns:a16="http://schemas.microsoft.com/office/drawing/2014/main" xmlns="" id="{9975399F-DAB2-410D-967F-ED17E6F796E7}"/>
               </a:ext>
             </a:extLst>
           </p:cNvPr>
@@ -845,7 +845,7 @@
           <p:cNvPr id="10" name="Slide Number Placeholder 9">
             <a:extLst>
               <a:ext uri="{FF2B5EF4-FFF2-40B4-BE49-F238E27FC236}">
-                <a16:creationId xmlns:a16="http://schemas.microsoft.com/office/drawing/2014/main" id="{F762A46F-6BE5-4D12-9412-5CA7672EA8EC}"/>
+                <a16:creationId xmlns:a16="http://schemas.microsoft.com/office/drawing/2014/main" xmlns="" id="{F762A46F-6BE5-4D12-9412-5CA7672EA8EC}"/>
               </a:ext>
             </a:extLst>
           </p:cNvPr>
@@ -979,7 +979,7 @@
           <p:cNvPr id="7" name="Date Placeholder 6">
             <a:extLst>
               <a:ext uri="{FF2B5EF4-FFF2-40B4-BE49-F238E27FC236}">
-                <a16:creationId xmlns:a16="http://schemas.microsoft.com/office/drawing/2014/main" id="{354D8B55-9EA8-4B81-8E84-9B93B0A27559}"/>
+                <a16:creationId xmlns:a16="http://schemas.microsoft.com/office/drawing/2014/main" xmlns="" id="{354D8B55-9EA8-4B81-8E84-9B93B0A27559}"/>
               </a:ext>
             </a:extLst>
           </p:cNvPr>
@@ -997,7 +997,7 @@
           <a:p>
             <a:fld id="{4BE1D723-8F53-4F53-90B0-1982A396982E}" type="datetime1">
               <a:rPr lang="en-US" smtClean="0"/>
-              <a:t>4/30/2020</a:t>
+              <a:t>10/5/2021</a:t>
             </a:fld>
             <a:endParaRPr lang="en-US" dirty="0"/>
           </a:p>
@@ -1008,7 +1008,7 @@
           <p:cNvPr id="8" name="Footer Placeholder 7">
             <a:extLst>
               <a:ext uri="{FF2B5EF4-FFF2-40B4-BE49-F238E27FC236}">
-                <a16:creationId xmlns:a16="http://schemas.microsoft.com/office/drawing/2014/main" id="{062CA021-2578-47CB-822C-BDDFF7223B28}"/>
+                <a16:creationId xmlns:a16="http://schemas.microsoft.com/office/drawing/2014/main" xmlns="" id="{062CA021-2578-47CB-822C-BDDFF7223B28}"/>
               </a:ext>
             </a:extLst>
           </p:cNvPr>
@@ -1033,7 +1033,7 @@
           <p:cNvPr id="9" name="Slide Number Placeholder 8">
             <a:extLst>
               <a:ext uri="{FF2B5EF4-FFF2-40B4-BE49-F238E27FC236}">
-                <a16:creationId xmlns:a16="http://schemas.microsoft.com/office/drawing/2014/main" id="{C4AAB51D-4141-4682-9375-DAFD5FB9DD10}"/>
+                <a16:creationId xmlns:a16="http://schemas.microsoft.com/office/drawing/2014/main" xmlns="" id="{C4AAB51D-4141-4682-9375-DAFD5FB9DD10}"/>
               </a:ext>
             </a:extLst>
           </p:cNvPr>
@@ -1100,7 +1100,7 @@
           <p:cNvPr id="10" name="Rectangle 9">
             <a:extLst>
               <a:ext uri="{FF2B5EF4-FFF2-40B4-BE49-F238E27FC236}">
-                <a16:creationId xmlns:a16="http://schemas.microsoft.com/office/drawing/2014/main" id="{A585C21A-8B93-4657-B5DF-7EAEAD3BE127}"/>
+                <a16:creationId xmlns:a16="http://schemas.microsoft.com/office/drawing/2014/main" xmlns="" id="{A585C21A-8B93-4657-B5DF-7EAEAD3BE127}"/>
               </a:ext>
             </a:extLst>
           </p:cNvPr>
@@ -1308,7 +1308,7 @@
           <p:cNvPr id="9" name="Straight Connector 8">
             <a:extLst>
               <a:ext uri="{FF2B5EF4-FFF2-40B4-BE49-F238E27FC236}">
-                <a16:creationId xmlns:a16="http://schemas.microsoft.com/office/drawing/2014/main" id="{459DE2C1-4C52-40A3-8959-27B2C1BEBFF6}"/>
+                <a16:creationId xmlns:a16="http://schemas.microsoft.com/office/drawing/2014/main" xmlns="" id="{459DE2C1-4C52-40A3-8959-27B2C1BEBFF6}"/>
               </a:ext>
             </a:extLst>
           </p:cNvPr>
@@ -1352,7 +1352,7 @@
           <p:cNvPr id="7" name="Date Placeholder 6">
             <a:extLst>
               <a:ext uri="{FF2B5EF4-FFF2-40B4-BE49-F238E27FC236}">
-                <a16:creationId xmlns:a16="http://schemas.microsoft.com/office/drawing/2014/main" id="{AAF2E137-EC28-48F8-9198-1F02539029B6}"/>
+                <a16:creationId xmlns:a16="http://schemas.microsoft.com/office/drawing/2014/main" xmlns="" id="{AAF2E137-EC28-48F8-9198-1F02539029B6}"/>
               </a:ext>
             </a:extLst>
           </p:cNvPr>
@@ -1370,7 +1370,7 @@
           <a:p>
             <a:fld id="{97669AF7-7BEB-44E4-9852-375E34362B5B}" type="datetime1">
               <a:rPr lang="en-US" smtClean="0"/>
-              <a:t>4/30/2020</a:t>
+              <a:t>10/5/2021</a:t>
             </a:fld>
             <a:endParaRPr lang="en-US" dirty="0"/>
           </a:p>
@@ -1381,7 +1381,7 @@
           <p:cNvPr id="8" name="Footer Placeholder 7">
             <a:extLst>
               <a:ext uri="{FF2B5EF4-FFF2-40B4-BE49-F238E27FC236}">
-                <a16:creationId xmlns:a16="http://schemas.microsoft.com/office/drawing/2014/main" id="{189422CD-6F62-4DD6-89EF-07A60B42D219}"/>
+                <a16:creationId xmlns:a16="http://schemas.microsoft.com/office/drawing/2014/main" xmlns="" id="{189422CD-6F62-4DD6-89EF-07A60B42D219}"/>
               </a:ext>
             </a:extLst>
           </p:cNvPr>
@@ -1406,7 +1406,7 @@
           <p:cNvPr id="11" name="Slide Number Placeholder 10">
             <a:extLst>
               <a:ext uri="{FF2B5EF4-FFF2-40B4-BE49-F238E27FC236}">
-                <a16:creationId xmlns:a16="http://schemas.microsoft.com/office/drawing/2014/main" id="{69C6AFF8-42B4-4D05-969B-9F5FB3355555}"/>
+                <a16:creationId xmlns:a16="http://schemas.microsoft.com/office/drawing/2014/main" xmlns="" id="{69C6AFF8-42B4-4D05-969B-9F5FB3355555}"/>
               </a:ext>
             </a:extLst>
           </p:cNvPr>
@@ -1607,7 +1607,7 @@
           <p:cNvPr id="2" name="Date Placeholder 1">
             <a:extLst>
               <a:ext uri="{FF2B5EF4-FFF2-40B4-BE49-F238E27FC236}">
-                <a16:creationId xmlns:a16="http://schemas.microsoft.com/office/drawing/2014/main" id="{5782D47D-B0DC-4C40-BCC6-BBBA32584A38}"/>
+                <a16:creationId xmlns:a16="http://schemas.microsoft.com/office/drawing/2014/main" xmlns="" id="{5782D47D-B0DC-4C40-BCC6-BBBA32584A38}"/>
               </a:ext>
             </a:extLst>
           </p:cNvPr>
@@ -1625,7 +1625,7 @@
           <a:p>
             <a:fld id="{BAAAC38D-0552-4C82-B593-E6124DFADBE2}" type="datetime1">
               <a:rPr lang="en-US" smtClean="0"/>
-              <a:t>4/30/2020</a:t>
+              <a:t>10/5/2021</a:t>
             </a:fld>
             <a:endParaRPr lang="en-US" dirty="0"/>
           </a:p>
@@ -1636,7 +1636,7 @@
           <p:cNvPr id="9" name="Footer Placeholder 8">
             <a:extLst>
               <a:ext uri="{FF2B5EF4-FFF2-40B4-BE49-F238E27FC236}">
-                <a16:creationId xmlns:a16="http://schemas.microsoft.com/office/drawing/2014/main" id="{4690D34E-7EBD-44B2-83CA-4C126A18D7EF}"/>
+                <a16:creationId xmlns:a16="http://schemas.microsoft.com/office/drawing/2014/main" xmlns="" id="{4690D34E-7EBD-44B2-83CA-4C126A18D7EF}"/>
               </a:ext>
             </a:extLst>
           </p:cNvPr>
@@ -1661,7 +1661,7 @@
           <p:cNvPr id="10" name="Slide Number Placeholder 9">
             <a:extLst>
               <a:ext uri="{FF2B5EF4-FFF2-40B4-BE49-F238E27FC236}">
-                <a16:creationId xmlns:a16="http://schemas.microsoft.com/office/drawing/2014/main" id="{2AC511A1-9BBD-42DE-92FB-2AF44F8E97A9}"/>
+                <a16:creationId xmlns:a16="http://schemas.microsoft.com/office/drawing/2014/main" xmlns="" id="{2AC511A1-9BBD-42DE-92FB-2AF44F8E97A9}"/>
               </a:ext>
             </a:extLst>
           </p:cNvPr>
@@ -2004,7 +2004,7 @@
           <p:cNvPr id="2" name="Date Placeholder 1">
             <a:extLst>
               <a:ext uri="{FF2B5EF4-FFF2-40B4-BE49-F238E27FC236}">
-                <a16:creationId xmlns:a16="http://schemas.microsoft.com/office/drawing/2014/main" id="{8AF8A515-AA94-45D1-9223-5C2272618D85}"/>
+                <a16:creationId xmlns:a16="http://schemas.microsoft.com/office/drawing/2014/main" xmlns="" id="{8AF8A515-AA94-45D1-9223-5C2272618D85}"/>
               </a:ext>
             </a:extLst>
           </p:cNvPr>
@@ -2022,7 +2022,7 @@
           <a:p>
             <a:fld id="{D9DF0F1C-5577-4ACB-BB62-DF8F3C494C7E}" type="datetime1">
               <a:rPr lang="en-US" smtClean="0"/>
-              <a:t>4/30/2020</a:t>
+              <a:t>10/5/2021</a:t>
             </a:fld>
             <a:endParaRPr lang="en-US" dirty="0"/>
           </a:p>
@@ -2033,7 +2033,7 @@
           <p:cNvPr id="11" name="Footer Placeholder 10">
             <a:extLst>
               <a:ext uri="{FF2B5EF4-FFF2-40B4-BE49-F238E27FC236}">
-                <a16:creationId xmlns:a16="http://schemas.microsoft.com/office/drawing/2014/main" id="{D052F5BC-98E0-4D60-AD67-9547738B7DD4}"/>
+                <a16:creationId xmlns:a16="http://schemas.microsoft.com/office/drawing/2014/main" xmlns="" id="{D052F5BC-98E0-4D60-AD67-9547738B7DD4}"/>
               </a:ext>
             </a:extLst>
           </p:cNvPr>
@@ -2058,7 +2058,7 @@
           <p:cNvPr id="12" name="Slide Number Placeholder 11">
             <a:extLst>
               <a:ext uri="{FF2B5EF4-FFF2-40B4-BE49-F238E27FC236}">
-                <a16:creationId xmlns:a16="http://schemas.microsoft.com/office/drawing/2014/main" id="{A38552DC-952E-41EA-AAAF-C2187523C0B0}"/>
+                <a16:creationId xmlns:a16="http://schemas.microsoft.com/office/drawing/2014/main" xmlns="" id="{A38552DC-952E-41EA-AAAF-C2187523C0B0}"/>
               </a:ext>
             </a:extLst>
           </p:cNvPr>
@@ -2140,7 +2140,7 @@
           <p:cNvPr id="6" name="Date Placeholder 5">
             <a:extLst>
               <a:ext uri="{FF2B5EF4-FFF2-40B4-BE49-F238E27FC236}">
-                <a16:creationId xmlns:a16="http://schemas.microsoft.com/office/drawing/2014/main" id="{7392073F-158F-44A3-8913-917AFFC1BC20}"/>
+                <a16:creationId xmlns:a16="http://schemas.microsoft.com/office/drawing/2014/main" xmlns="" id="{7392073F-158F-44A3-8913-917AFFC1BC20}"/>
               </a:ext>
             </a:extLst>
           </p:cNvPr>
@@ -2158,7 +2158,7 @@
           <a:p>
             <a:fld id="{1775B394-D9F9-4F0C-B15D-605F45CB9E9F}" type="datetime1">
               <a:rPr lang="en-US" smtClean="0"/>
-              <a:t>4/30/2020</a:t>
+              <a:t>10/5/2021</a:t>
             </a:fld>
             <a:endParaRPr lang="en-US" dirty="0"/>
           </a:p>
@@ -2169,7 +2169,7 @@
           <p:cNvPr id="7" name="Footer Placeholder 6">
             <a:extLst>
               <a:ext uri="{FF2B5EF4-FFF2-40B4-BE49-F238E27FC236}">
-                <a16:creationId xmlns:a16="http://schemas.microsoft.com/office/drawing/2014/main" id="{EED72207-24CA-42B7-A975-2F8E41CBA904}"/>
+                <a16:creationId xmlns:a16="http://schemas.microsoft.com/office/drawing/2014/main" xmlns="" id="{EED72207-24CA-42B7-A975-2F8E41CBA904}"/>
               </a:ext>
             </a:extLst>
           </p:cNvPr>
@@ -2194,7 +2194,7 @@
           <p:cNvPr id="8" name="Slide Number Placeholder 7">
             <a:extLst>
               <a:ext uri="{FF2B5EF4-FFF2-40B4-BE49-F238E27FC236}">
-                <a16:creationId xmlns:a16="http://schemas.microsoft.com/office/drawing/2014/main" id="{D01080F2-251A-4B88-9A62-16F46D724F83}"/>
+                <a16:creationId xmlns:a16="http://schemas.microsoft.com/office/drawing/2014/main" xmlns="" id="{D01080F2-251A-4B88-9A62-16F46D724F83}"/>
               </a:ext>
             </a:extLst>
           </p:cNvPr>
@@ -2253,7 +2253,7 @@
           <p:cNvPr id="10" name="Rectangle 9">
             <a:extLst>
               <a:ext uri="{FF2B5EF4-FFF2-40B4-BE49-F238E27FC236}">
-                <a16:creationId xmlns:a16="http://schemas.microsoft.com/office/drawing/2014/main" id="{A8E9C91B-7EAD-4562-AB0E-DFB9663AECE3}"/>
+                <a16:creationId xmlns:a16="http://schemas.microsoft.com/office/drawing/2014/main" xmlns="" id="{A8E9C91B-7EAD-4562-AB0E-DFB9663AECE3}"/>
               </a:ext>
             </a:extLst>
           </p:cNvPr>
@@ -2297,7 +2297,7 @@
           <p:cNvPr id="2" name="Date Placeholder 1">
             <a:extLst>
               <a:ext uri="{FF2B5EF4-FFF2-40B4-BE49-F238E27FC236}">
-                <a16:creationId xmlns:a16="http://schemas.microsoft.com/office/drawing/2014/main" id="{94E9223F-721F-47BF-9FD5-0F8D12FF0DE1}"/>
+                <a16:creationId xmlns:a16="http://schemas.microsoft.com/office/drawing/2014/main" xmlns="" id="{94E9223F-721F-47BF-9FD5-0F8D12FF0DE1}"/>
               </a:ext>
             </a:extLst>
           </p:cNvPr>
@@ -2315,7 +2315,7 @@
           <a:p>
             <a:fld id="{39667345-2558-425A-8533-9BFDBCE15005}" type="datetime1">
               <a:rPr lang="en-US" smtClean="0"/>
-              <a:t>4/30/2020</a:t>
+              <a:t>10/5/2021</a:t>
             </a:fld>
             <a:endParaRPr lang="en-US" dirty="0"/>
           </a:p>
@@ -2326,7 +2326,7 @@
           <p:cNvPr id="3" name="Footer Placeholder 2">
             <a:extLst>
               <a:ext uri="{FF2B5EF4-FFF2-40B4-BE49-F238E27FC236}">
-                <a16:creationId xmlns:a16="http://schemas.microsoft.com/office/drawing/2014/main" id="{05915714-6BBA-4593-8591-4E26F7D58D9F}"/>
+                <a16:creationId xmlns:a16="http://schemas.microsoft.com/office/drawing/2014/main" xmlns="" id="{05915714-6BBA-4593-8591-4E26F7D58D9F}"/>
               </a:ext>
             </a:extLst>
           </p:cNvPr>
@@ -2351,7 +2351,7 @@
           <p:cNvPr id="4" name="Slide Number Placeholder 3">
             <a:extLst>
               <a:ext uri="{FF2B5EF4-FFF2-40B4-BE49-F238E27FC236}">
-                <a16:creationId xmlns:a16="http://schemas.microsoft.com/office/drawing/2014/main" id="{BE06F857-D2E1-44DD-ABDD-EBB739645B67}"/>
+                <a16:creationId xmlns:a16="http://schemas.microsoft.com/office/drawing/2014/main" xmlns="" id="{BE06F857-D2E1-44DD-ABDD-EBB739645B67}"/>
               </a:ext>
             </a:extLst>
           </p:cNvPr>
@@ -2410,7 +2410,7 @@
           <p:cNvPr id="8" name="Rectangle 7">
             <a:extLst>
               <a:ext uri="{FF2B5EF4-FFF2-40B4-BE49-F238E27FC236}">
-                <a16:creationId xmlns:a16="http://schemas.microsoft.com/office/drawing/2014/main" id="{16D90D66-BCB9-4229-A829-628874352AC0}"/>
+                <a16:creationId xmlns:a16="http://schemas.microsoft.com/office/drawing/2014/main" xmlns="" id="{16D90D66-BCB9-4229-A829-628874352AC0}"/>
               </a:ext>
             </a:extLst>
           </p:cNvPr>
@@ -2644,7 +2644,7 @@
           <a:p>
             <a:fld id="{92BEA474-078D-4E9B-9B14-09A87B19DC46}" type="datetime1">
               <a:rPr lang="en-US" smtClean="0"/>
-              <a:t>4/30/2020</a:t>
+              <a:t>10/5/2021</a:t>
             </a:fld>
             <a:endParaRPr lang="en-US" dirty="0"/>
           </a:p>
@@ -2749,7 +2749,7 @@
           <p:cNvPr id="8" name="Rectangle 7">
             <a:extLst>
               <a:ext uri="{FF2B5EF4-FFF2-40B4-BE49-F238E27FC236}">
-                <a16:creationId xmlns:a16="http://schemas.microsoft.com/office/drawing/2014/main" id="{DA134939-39C0-4522-A125-A13DFDA66490}"/>
+                <a16:creationId xmlns:a16="http://schemas.microsoft.com/office/drawing/2014/main" xmlns="" id="{DA134939-39C0-4522-A125-A13DFDA66490}"/>
               </a:ext>
             </a:extLst>
           </p:cNvPr>
@@ -2994,7 +2994,7 @@
           <a:p>
             <a:fld id="{4907D986-8816-4272-A432-0437A28A9828}" type="datetime1">
               <a:rPr lang="en-US" smtClean="0"/>
-              <a:t>4/30/2020</a:t>
+              <a:t>10/5/2021</a:t>
             </a:fld>
             <a:endParaRPr lang="en-US" dirty="0"/>
           </a:p>
@@ -3088,7 +3088,7 @@
           <p:cNvPr id="7" name="Rectangle 6">
             <a:extLst>
               <a:ext uri="{FF2B5EF4-FFF2-40B4-BE49-F238E27FC236}">
-                <a16:creationId xmlns:a16="http://schemas.microsoft.com/office/drawing/2014/main" id="{416A0E3C-60E6-4F39-BC55-5F7C224E1F7C}"/>
+                <a16:creationId xmlns:a16="http://schemas.microsoft.com/office/drawing/2014/main" xmlns="" id="{416A0E3C-60E6-4F39-BC55-5F7C224E1F7C}"/>
               </a:ext>
             </a:extLst>
           </p:cNvPr>
@@ -3255,7 +3255,7 @@
           <a:p>
             <a:fld id="{62D6E202-B606-4609-B914-27C9371A1F6D}" type="datetime1">
               <a:rPr lang="en-US" smtClean="0"/>
-              <a:t>4/30/2020</a:t>
+              <a:t>10/5/2021</a:t>
             </a:fld>
             <a:endParaRPr lang="en-US" dirty="0"/>
           </a:p>
@@ -3340,7 +3340,7 @@
           <p:cNvPr id="10" name="Straight Connector 9">
             <a:extLst>
               <a:ext uri="{FF2B5EF4-FFF2-40B4-BE49-F238E27FC236}">
-                <a16:creationId xmlns:a16="http://schemas.microsoft.com/office/drawing/2014/main" id="{C5025DAC-8B93-4160-B017-3A274A5828C0}"/>
+                <a16:creationId xmlns:a16="http://schemas.microsoft.com/office/drawing/2014/main" xmlns="" id="{C5025DAC-8B93-4160-B017-3A274A5828C0}"/>
               </a:ext>
             </a:extLst>
           </p:cNvPr>
@@ -3791,10 +3791,10 @@
           <p:cNvPr id="6" name="Rectangle 8">
             <a:extLst>
               <a:ext uri="{FF2B5EF4-FFF2-40B4-BE49-F238E27FC236}">
-                <a16:creationId xmlns:a16="http://schemas.microsoft.com/office/drawing/2014/main" id="{990BAFCD-EA0A-47F4-8B00-AAB1E67A90CC}"/>
+                <a16:creationId xmlns:a16="http://schemas.microsoft.com/office/drawing/2014/main" xmlns="" id="{990BAFCD-EA0A-47F4-8B00-AAB1E67A90CC}"/>
               </a:ext>
               <a:ext uri="{C183D7F6-B498-43B3-948B-1728B52AA6E4}">
-                <adec:decorative xmlns:adec="http://schemas.microsoft.com/office/drawing/2017/decorative" val="1"/>
+                <adec:decorative xmlns:adec="http://schemas.microsoft.com/office/drawing/2017/decorative" xmlns="" val="1"/>
               </a:ext>
             </a:extLst>
           </p:cNvPr>
@@ -3804,7 +3804,7 @@
           <p:nvPr>
             <p:extLst>
               <p:ext uri="{386F3935-93C4-4BCD-93E2-E3B085C9AB24}">
-                <p16:designElem xmlns:p16="http://schemas.microsoft.com/office/powerpoint/2015/main" val="1"/>
+                <p16:designElem xmlns:p16="http://schemas.microsoft.com/office/powerpoint/2015/main" xmlns="" val="1"/>
               </p:ext>
             </p:extLst>
           </p:nvPr>
@@ -3851,7 +3851,7 @@
           <p:cNvPr id="4" name="Рисунок 4" descr="Изображение выглядит как трава, черный, мужчина, держит&#10;&#10;Описание создано с очень высокой степенью достоверности">
             <a:extLst>
               <a:ext uri="{FF2B5EF4-FFF2-40B4-BE49-F238E27FC236}">
-                <a16:creationId xmlns:a16="http://schemas.microsoft.com/office/drawing/2014/main" id="{FD7DD4A2-E383-457E-BAD6-2D0855FBD8DE}"/>
+                <a16:creationId xmlns:a16="http://schemas.microsoft.com/office/drawing/2014/main" xmlns="" id="{FD7DD4A2-E383-457E-BAD6-2D0855FBD8DE}"/>
               </a:ext>
             </a:extLst>
           </p:cNvPr>
@@ -3881,10 +3881,10 @@
           <p:cNvPr id="11" name="Rectangle 10">
             <a:extLst>
               <a:ext uri="{FF2B5EF4-FFF2-40B4-BE49-F238E27FC236}">
-                <a16:creationId xmlns:a16="http://schemas.microsoft.com/office/drawing/2014/main" id="{2F9C61D6-37CC-4AD4-83C3-022D08874179}"/>
+                <a16:creationId xmlns:a16="http://schemas.microsoft.com/office/drawing/2014/main" xmlns="" id="{2F9C61D6-37CC-4AD4-83C3-022D08874179}"/>
               </a:ext>
               <a:ext uri="{C183D7F6-B498-43B3-948B-1728B52AA6E4}">
-                <adec:decorative xmlns:adec="http://schemas.microsoft.com/office/drawing/2017/decorative" val="1"/>
+                <adec:decorative xmlns:adec="http://schemas.microsoft.com/office/drawing/2017/decorative" xmlns="" val="1"/>
               </a:ext>
             </a:extLst>
           </p:cNvPr>
@@ -3894,7 +3894,7 @@
           <p:nvPr>
             <p:extLst>
               <p:ext uri="{386F3935-93C4-4BCD-93E2-E3B085C9AB24}">
-                <p16:designElem xmlns:p16="http://schemas.microsoft.com/office/powerpoint/2015/main" val="1"/>
+                <p16:designElem xmlns:p16="http://schemas.microsoft.com/office/powerpoint/2015/main" xmlns="" val="1"/>
               </p:ext>
             </p:extLst>
           </p:nvPr>
@@ -3989,70 +3989,83 @@
         </p:spPr>
         <p:txBody>
           <a:bodyPr vert="horz" lIns="91440" tIns="45720" rIns="91440" bIns="45720" rtlCol="0" anchor="ctr">
-            <a:normAutofit fontScale="92500"/>
+            <a:normAutofit/>
           </a:bodyPr>
           <a:lstStyle/>
           <a:p>
             <a:r>
-              <a:rPr lang="ru-RU" sz="1800">
+              <a:rPr lang="ru-RU" sz="1800" dirty="0" err="1">
                 <a:solidFill>
                   <a:srgbClr val="FFFFFF"/>
                 </a:solidFill>
                 <a:cs typeface="Calibri"/>
               </a:rPr>
-              <a:t>Prepared by:</a:t>
+              <a:t>Prepared</a:t>
             </a:r>
-          </a:p>
-          <a:p>
             <a:r>
-              <a:rPr lang="ru-RU" sz="1800">
+              <a:rPr lang="ru-RU" sz="1800" dirty="0">
                 <a:solidFill>
                   <a:srgbClr val="FFFFFF"/>
                 </a:solidFill>
                 <a:cs typeface="Calibri"/>
               </a:rPr>
-              <a:t>Natalya </a:t>
+              <a:t> </a:t>
             </a:r>
             <a:r>
-              <a:rPr lang="ru-RU" sz="1800">
+              <a:rPr lang="ru-RU" sz="1800" dirty="0" err="1">
+                <a:solidFill>
+                  <a:srgbClr val="FFFFFF"/>
+                </a:solidFill>
+                <a:cs typeface="Calibri"/>
+              </a:rPr>
+              <a:t>by</a:t>
+            </a:r>
+            <a:r>
+              <a:rPr lang="ru-RU" sz="1800" dirty="0">
+                <a:solidFill>
+                  <a:srgbClr val="FFFFFF"/>
+                </a:solidFill>
+                <a:cs typeface="Calibri"/>
+              </a:rPr>
+              <a:t>:</a:t>
+            </a:r>
+          </a:p>
+          <a:p>
+            <a:r>
+              <a:rPr lang="ru-RU" sz="1800" dirty="0" err="1">
+                <a:solidFill>
+                  <a:srgbClr val="FFFFFF"/>
+                </a:solidFill>
+                <a:cs typeface="Calibri"/>
+              </a:rPr>
+              <a:t>Natalya</a:t>
+            </a:r>
+            <a:r>
+              <a:rPr lang="ru-RU" sz="1800" dirty="0">
+                <a:solidFill>
+                  <a:srgbClr val="FFFFFF"/>
+                </a:solidFill>
+                <a:cs typeface="Calibri"/>
+              </a:rPr>
+              <a:t> </a:t>
+            </a:r>
+            <a:r>
+              <a:rPr lang="ru-RU" sz="1800" dirty="0" err="1" smtClean="0">
                 <a:solidFill>
                   <a:srgbClr val="FFFFFF"/>
                 </a:solidFill>
                 <a:ea typeface="+mn-lt"/>
                 <a:cs typeface="+mn-lt"/>
               </a:rPr>
-              <a:t>Gaponenko </a:t>
+              <a:t>Gaponenko</a:t>
             </a:r>
-            <a:r>
-              <a:rPr lang="ru-RU" sz="1800">
-                <a:solidFill>
-                  <a:srgbClr val="FFFFFF"/>
-                </a:solidFill>
-                <a:cs typeface="Calibri"/>
-              </a:rPr>
-              <a:t>,</a:t>
-            </a:r>
-          </a:p>
-          <a:p>
-            <a:r>
-              <a:rPr lang="ru-RU" sz="1800">
-                <a:solidFill>
-                  <a:srgbClr val="FFFFFF"/>
-                </a:solidFill>
-                <a:cs typeface="Calibri"/>
-              </a:rPr>
-              <a:t>Margarita </a:t>
-            </a:r>
-            <a:r>
-              <a:rPr lang="ru-RU" sz="1800">
-                <a:solidFill>
-                  <a:srgbClr val="FFFFFF"/>
-                </a:solidFill>
-                <a:ea typeface="+mn-lt"/>
-                <a:cs typeface="+mn-lt"/>
-              </a:rPr>
-              <a:t>Kozlova </a:t>
-            </a:r>
+            <a:endParaRPr lang="ru-RU" sz="1800" dirty="0">
+              <a:solidFill>
+                <a:srgbClr val="FFFFFF"/>
+              </a:solidFill>
+              <a:ea typeface="+mn-lt"/>
+              <a:cs typeface="+mn-lt"/>
+            </a:endParaRPr>
           </a:p>
         </p:txBody>
       </p:sp>
@@ -4061,10 +4074,10 @@
           <p:cNvPr id="13" name="Straight Connector 12">
             <a:extLst>
               <a:ext uri="{FF2B5EF4-FFF2-40B4-BE49-F238E27FC236}">
-                <a16:creationId xmlns:a16="http://schemas.microsoft.com/office/drawing/2014/main" id="{2669285E-35F6-4010-B084-229A808458CD}"/>
+                <a16:creationId xmlns:a16="http://schemas.microsoft.com/office/drawing/2014/main" xmlns="" id="{2669285E-35F6-4010-B084-229A808458CD}"/>
               </a:ext>
               <a:ext uri="{C183D7F6-B498-43B3-948B-1728B52AA6E4}">
-                <adec:decorative xmlns:adec="http://schemas.microsoft.com/office/drawing/2017/decorative" val="1"/>
+                <adec:decorative xmlns:adec="http://schemas.microsoft.com/office/drawing/2017/decorative" xmlns="" val="1"/>
               </a:ext>
             </a:extLst>
           </p:cNvPr>
@@ -4074,7 +4087,7 @@
           <p:nvPr>
             <p:extLst>
               <p:ext uri="{386F3935-93C4-4BCD-93E2-E3B085C9AB24}">
-                <p16:designElem xmlns:p16="http://schemas.microsoft.com/office/powerpoint/2015/main" val="1"/>
+                <p16:designElem xmlns:p16="http://schemas.microsoft.com/office/powerpoint/2015/main" xmlns="" val="1"/>
               </p:ext>
             </p:extLst>
           </p:nvPr>
@@ -4151,10 +4164,10 @@
           <p:cNvPr id="6" name="Rectangle 8">
             <a:extLst>
               <a:ext uri="{FF2B5EF4-FFF2-40B4-BE49-F238E27FC236}">
-                <a16:creationId xmlns:a16="http://schemas.microsoft.com/office/drawing/2014/main" id="{39E3965E-AC41-4711-9D10-E25ABB132D86}"/>
+                <a16:creationId xmlns:a16="http://schemas.microsoft.com/office/drawing/2014/main" xmlns="" id="{39E3965E-AC41-4711-9D10-E25ABB132D86}"/>
               </a:ext>
               <a:ext uri="{C183D7F6-B498-43B3-948B-1728B52AA6E4}">
-                <adec:decorative xmlns:adec="http://schemas.microsoft.com/office/drawing/2017/decorative" val="1"/>
+                <adec:decorative xmlns:adec="http://schemas.microsoft.com/office/drawing/2017/decorative" xmlns="" val="1"/>
               </a:ext>
             </a:extLst>
           </p:cNvPr>
@@ -4164,7 +4177,7 @@
           <p:nvPr>
             <p:extLst>
               <p:ext uri="{386F3935-93C4-4BCD-93E2-E3B085C9AB24}">
-                <p16:designElem xmlns:p16="http://schemas.microsoft.com/office/powerpoint/2015/main" val="1"/>
+                <p16:designElem xmlns:p16="http://schemas.microsoft.com/office/powerpoint/2015/main" xmlns="" val="1"/>
               </p:ext>
             </p:extLst>
           </p:nvPr>
@@ -4206,10 +4219,10 @@
           <p:cNvPr id="7" name="Straight Connector 10">
             <a:extLst>
               <a:ext uri="{FF2B5EF4-FFF2-40B4-BE49-F238E27FC236}">
-                <a16:creationId xmlns:a16="http://schemas.microsoft.com/office/drawing/2014/main" id="{1F5DC8C3-BA5F-4EED-BB9A-A14272BD82A1}"/>
+                <a16:creationId xmlns:a16="http://schemas.microsoft.com/office/drawing/2014/main" xmlns="" id="{1F5DC8C3-BA5F-4EED-BB9A-A14272BD82A1}"/>
               </a:ext>
               <a:ext uri="{C183D7F6-B498-43B3-948B-1728B52AA6E4}">
-                <adec:decorative xmlns:adec="http://schemas.microsoft.com/office/drawing/2017/decorative" val="1"/>
+                <adec:decorative xmlns:adec="http://schemas.microsoft.com/office/drawing/2017/decorative" xmlns="" val="1"/>
               </a:ext>
             </a:extLst>
           </p:cNvPr>
@@ -4219,7 +4232,7 @@
           <p:nvPr>
             <p:extLst>
               <p:ext uri="{386F3935-93C4-4BCD-93E2-E3B085C9AB24}">
-                <p16:designElem xmlns:p16="http://schemas.microsoft.com/office/powerpoint/2015/main" val="1"/>
+                <p16:designElem xmlns:p16="http://schemas.microsoft.com/office/powerpoint/2015/main" xmlns="" val="1"/>
               </p:ext>
             </p:extLst>
           </p:nvPr>
@@ -4261,10 +4274,10 @@
           <p:cNvPr id="8" name="Rectangle 12">
             <a:extLst>
               <a:ext uri="{FF2B5EF4-FFF2-40B4-BE49-F238E27FC236}">
-                <a16:creationId xmlns:a16="http://schemas.microsoft.com/office/drawing/2014/main" id="{33428ACC-71EC-4171-9527-10983BA6B41D}"/>
+                <a16:creationId xmlns:a16="http://schemas.microsoft.com/office/drawing/2014/main" xmlns="" id="{33428ACC-71EC-4171-9527-10983BA6B41D}"/>
               </a:ext>
               <a:ext uri="{C183D7F6-B498-43B3-948B-1728B52AA6E4}">
-                <adec:decorative xmlns:adec="http://schemas.microsoft.com/office/drawing/2017/decorative" val="1"/>
+                <adec:decorative xmlns:adec="http://schemas.microsoft.com/office/drawing/2017/decorative" xmlns="" val="1"/>
               </a:ext>
             </a:extLst>
           </p:cNvPr>
@@ -4274,7 +4287,7 @@
           <p:nvPr>
             <p:extLst>
               <p:ext uri="{386F3935-93C4-4BCD-93E2-E3B085C9AB24}">
-                <p16:designElem xmlns:p16="http://schemas.microsoft.com/office/powerpoint/2015/main" val="1"/>
+                <p16:designElem xmlns:p16="http://schemas.microsoft.com/office/powerpoint/2015/main" xmlns="" val="1"/>
               </p:ext>
             </p:extLst>
           </p:nvPr>
@@ -4321,7 +4334,7 @@
           <p:cNvPr id="2" name="Заголовок 1">
             <a:extLst>
               <a:ext uri="{FF2B5EF4-FFF2-40B4-BE49-F238E27FC236}">
-                <a16:creationId xmlns:a16="http://schemas.microsoft.com/office/drawing/2014/main" id="{A79BC0EF-A400-4701-A631-4FBE6177CF19}"/>
+                <a16:creationId xmlns:a16="http://schemas.microsoft.com/office/drawing/2014/main" xmlns="" id="{A79BC0EF-A400-4701-A631-4FBE6177CF19}"/>
               </a:ext>
             </a:extLst>
           </p:cNvPr>
@@ -4372,10 +4385,10 @@
           <p:cNvPr id="10" name="Straight Connector 14">
             <a:extLst>
               <a:ext uri="{FF2B5EF4-FFF2-40B4-BE49-F238E27FC236}">
-                <a16:creationId xmlns:a16="http://schemas.microsoft.com/office/drawing/2014/main" id="{BA22713B-ABB6-4391-97F9-0449A2B9B664}"/>
+                <a16:creationId xmlns:a16="http://schemas.microsoft.com/office/drawing/2014/main" xmlns="" id="{BA22713B-ABB6-4391-97F9-0449A2B9B664}"/>
               </a:ext>
               <a:ext uri="{C183D7F6-B498-43B3-948B-1728B52AA6E4}">
-                <adec:decorative xmlns:adec="http://schemas.microsoft.com/office/drawing/2017/decorative" val="1"/>
+                <adec:decorative xmlns:adec="http://schemas.microsoft.com/office/drawing/2017/decorative" xmlns="" val="1"/>
               </a:ext>
             </a:extLst>
           </p:cNvPr>
@@ -4385,7 +4398,7 @@
           <p:nvPr>
             <p:extLst>
               <p:ext uri="{386F3935-93C4-4BCD-93E2-E3B085C9AB24}">
-                <p16:designElem xmlns:p16="http://schemas.microsoft.com/office/powerpoint/2015/main" val="1"/>
+                <p16:designElem xmlns:p16="http://schemas.microsoft.com/office/powerpoint/2015/main" xmlns="" val="1"/>
               </p:ext>
             </p:extLst>
           </p:nvPr>
@@ -4427,10 +4440,10 @@
           <p:cNvPr id="12" name="Rectangle 16">
             <a:extLst>
               <a:ext uri="{FF2B5EF4-FFF2-40B4-BE49-F238E27FC236}">
-                <a16:creationId xmlns:a16="http://schemas.microsoft.com/office/drawing/2014/main" id="{8D4480B4-953D-41FA-9052-09AB3A026947}"/>
+                <a16:creationId xmlns:a16="http://schemas.microsoft.com/office/drawing/2014/main" xmlns="" id="{8D4480B4-953D-41FA-9052-09AB3A026947}"/>
               </a:ext>
               <a:ext uri="{C183D7F6-B498-43B3-948B-1728B52AA6E4}">
-                <adec:decorative xmlns:adec="http://schemas.microsoft.com/office/drawing/2017/decorative" val="1"/>
+                <adec:decorative xmlns:adec="http://schemas.microsoft.com/office/drawing/2017/decorative" xmlns="" val="1"/>
               </a:ext>
             </a:extLst>
           </p:cNvPr>
@@ -4440,7 +4453,7 @@
           <p:nvPr>
             <p:extLst>
               <p:ext uri="{386F3935-93C4-4BCD-93E2-E3B085C9AB24}">
-                <p16:designElem xmlns:p16="http://schemas.microsoft.com/office/powerpoint/2015/main" val="1"/>
+                <p16:designElem xmlns:p16="http://schemas.microsoft.com/office/powerpoint/2015/main" xmlns="" val="1"/>
               </p:ext>
             </p:extLst>
           </p:nvPr>
@@ -4482,7 +4495,7 @@
           <p:cNvPr id="3" name="Рисунок 4">
             <a:extLst>
               <a:ext uri="{FF2B5EF4-FFF2-40B4-BE49-F238E27FC236}">
-                <a16:creationId xmlns:a16="http://schemas.microsoft.com/office/drawing/2014/main" id="{6E7B994C-0999-4FDA-B4C5-6D474165BC40}"/>
+                <a16:creationId xmlns:a16="http://schemas.microsoft.com/office/drawing/2014/main" xmlns="" id="{6E7B994C-0999-4FDA-B4C5-6D474165BC40}"/>
               </a:ext>
             </a:extLst>
           </p:cNvPr>
@@ -4550,10 +4563,10 @@
           <p:cNvPr id="6" name="Rectangle 8">
             <a:extLst>
               <a:ext uri="{FF2B5EF4-FFF2-40B4-BE49-F238E27FC236}">
-                <a16:creationId xmlns:a16="http://schemas.microsoft.com/office/drawing/2014/main" id="{39E3965E-AC41-4711-9D10-E25ABB132D86}"/>
+                <a16:creationId xmlns:a16="http://schemas.microsoft.com/office/drawing/2014/main" xmlns="" id="{39E3965E-AC41-4711-9D10-E25ABB132D86}"/>
               </a:ext>
               <a:ext uri="{C183D7F6-B498-43B3-948B-1728B52AA6E4}">
-                <adec:decorative xmlns:adec="http://schemas.microsoft.com/office/drawing/2017/decorative" val="1"/>
+                <adec:decorative xmlns:adec="http://schemas.microsoft.com/office/drawing/2017/decorative" xmlns="" val="1"/>
               </a:ext>
             </a:extLst>
           </p:cNvPr>
@@ -4563,7 +4576,7 @@
           <p:nvPr>
             <p:extLst>
               <p:ext uri="{386F3935-93C4-4BCD-93E2-E3B085C9AB24}">
-                <p16:designElem xmlns:p16="http://schemas.microsoft.com/office/powerpoint/2015/main" val="1"/>
+                <p16:designElem xmlns:p16="http://schemas.microsoft.com/office/powerpoint/2015/main" xmlns="" val="1"/>
               </p:ext>
             </p:extLst>
           </p:nvPr>
@@ -4605,10 +4618,10 @@
           <p:cNvPr id="7" name="Straight Connector 10">
             <a:extLst>
               <a:ext uri="{FF2B5EF4-FFF2-40B4-BE49-F238E27FC236}">
-                <a16:creationId xmlns:a16="http://schemas.microsoft.com/office/drawing/2014/main" id="{1F5DC8C3-BA5F-4EED-BB9A-A14272BD82A1}"/>
+                <a16:creationId xmlns:a16="http://schemas.microsoft.com/office/drawing/2014/main" xmlns="" id="{1F5DC8C3-BA5F-4EED-BB9A-A14272BD82A1}"/>
               </a:ext>
               <a:ext uri="{C183D7F6-B498-43B3-948B-1728B52AA6E4}">
-                <adec:decorative xmlns:adec="http://schemas.microsoft.com/office/drawing/2017/decorative" val="1"/>
+                <adec:decorative xmlns:adec="http://schemas.microsoft.com/office/drawing/2017/decorative" xmlns="" val="1"/>
               </a:ext>
             </a:extLst>
           </p:cNvPr>
@@ -4618,7 +4631,7 @@
           <p:nvPr>
             <p:extLst>
               <p:ext uri="{386F3935-93C4-4BCD-93E2-E3B085C9AB24}">
-                <p16:designElem xmlns:p16="http://schemas.microsoft.com/office/powerpoint/2015/main" val="1"/>
+                <p16:designElem xmlns:p16="http://schemas.microsoft.com/office/powerpoint/2015/main" xmlns="" val="1"/>
               </p:ext>
             </p:extLst>
           </p:nvPr>
@@ -4660,10 +4673,10 @@
           <p:cNvPr id="8" name="Rectangle 12">
             <a:extLst>
               <a:ext uri="{FF2B5EF4-FFF2-40B4-BE49-F238E27FC236}">
-                <a16:creationId xmlns:a16="http://schemas.microsoft.com/office/drawing/2014/main" id="{33428ACC-71EC-4171-9527-10983BA6B41D}"/>
+                <a16:creationId xmlns:a16="http://schemas.microsoft.com/office/drawing/2014/main" xmlns="" id="{33428ACC-71EC-4171-9527-10983BA6B41D}"/>
               </a:ext>
               <a:ext uri="{C183D7F6-B498-43B3-948B-1728B52AA6E4}">
-                <adec:decorative xmlns:adec="http://schemas.microsoft.com/office/drawing/2017/decorative" val="1"/>
+                <adec:decorative xmlns:adec="http://schemas.microsoft.com/office/drawing/2017/decorative" xmlns="" val="1"/>
               </a:ext>
             </a:extLst>
           </p:cNvPr>
@@ -4673,7 +4686,7 @@
           <p:nvPr>
             <p:extLst>
               <p:ext uri="{386F3935-93C4-4BCD-93E2-E3B085C9AB24}">
-                <p16:designElem xmlns:p16="http://schemas.microsoft.com/office/powerpoint/2015/main" val="1"/>
+                <p16:designElem xmlns:p16="http://schemas.microsoft.com/office/powerpoint/2015/main" xmlns="" val="1"/>
               </p:ext>
             </p:extLst>
           </p:nvPr>
@@ -4720,7 +4733,7 @@
           <p:cNvPr id="2" name="Заголовок 1">
             <a:extLst>
               <a:ext uri="{FF2B5EF4-FFF2-40B4-BE49-F238E27FC236}">
-                <a16:creationId xmlns:a16="http://schemas.microsoft.com/office/drawing/2014/main" id="{A79BC0EF-A400-4701-A631-4FBE6177CF19}"/>
+                <a16:creationId xmlns:a16="http://schemas.microsoft.com/office/drawing/2014/main" xmlns="" id="{A79BC0EF-A400-4701-A631-4FBE6177CF19}"/>
               </a:ext>
             </a:extLst>
           </p:cNvPr>
@@ -4772,10 +4785,10 @@
           <p:cNvPr id="10" name="Straight Connector 14">
             <a:extLst>
               <a:ext uri="{FF2B5EF4-FFF2-40B4-BE49-F238E27FC236}">
-                <a16:creationId xmlns:a16="http://schemas.microsoft.com/office/drawing/2014/main" id="{BA22713B-ABB6-4391-97F9-0449A2B9B664}"/>
+                <a16:creationId xmlns:a16="http://schemas.microsoft.com/office/drawing/2014/main" xmlns="" id="{BA22713B-ABB6-4391-97F9-0449A2B9B664}"/>
               </a:ext>
               <a:ext uri="{C183D7F6-B498-43B3-948B-1728B52AA6E4}">
-                <adec:decorative xmlns:adec="http://schemas.microsoft.com/office/drawing/2017/decorative" val="1"/>
+                <adec:decorative xmlns:adec="http://schemas.microsoft.com/office/drawing/2017/decorative" xmlns="" val="1"/>
               </a:ext>
             </a:extLst>
           </p:cNvPr>
@@ -4785,7 +4798,7 @@
           <p:nvPr>
             <p:extLst>
               <p:ext uri="{386F3935-93C4-4BCD-93E2-E3B085C9AB24}">
-                <p16:designElem xmlns:p16="http://schemas.microsoft.com/office/powerpoint/2015/main" val="1"/>
+                <p16:designElem xmlns:p16="http://schemas.microsoft.com/office/powerpoint/2015/main" xmlns="" val="1"/>
               </p:ext>
             </p:extLst>
           </p:nvPr>
@@ -4827,10 +4840,10 @@
           <p:cNvPr id="12" name="Rectangle 16">
             <a:extLst>
               <a:ext uri="{FF2B5EF4-FFF2-40B4-BE49-F238E27FC236}">
-                <a16:creationId xmlns:a16="http://schemas.microsoft.com/office/drawing/2014/main" id="{8D4480B4-953D-41FA-9052-09AB3A026947}"/>
+                <a16:creationId xmlns:a16="http://schemas.microsoft.com/office/drawing/2014/main" xmlns="" id="{8D4480B4-953D-41FA-9052-09AB3A026947}"/>
               </a:ext>
               <a:ext uri="{C183D7F6-B498-43B3-948B-1728B52AA6E4}">
-                <adec:decorative xmlns:adec="http://schemas.microsoft.com/office/drawing/2017/decorative" val="1"/>
+                <adec:decorative xmlns:adec="http://schemas.microsoft.com/office/drawing/2017/decorative" xmlns="" val="1"/>
               </a:ext>
             </a:extLst>
           </p:cNvPr>
@@ -4840,7 +4853,7 @@
           <p:nvPr>
             <p:extLst>
               <p:ext uri="{386F3935-93C4-4BCD-93E2-E3B085C9AB24}">
-                <p16:designElem xmlns:p16="http://schemas.microsoft.com/office/powerpoint/2015/main" val="1"/>
+                <p16:designElem xmlns:p16="http://schemas.microsoft.com/office/powerpoint/2015/main" xmlns="" val="1"/>
               </p:ext>
             </p:extLst>
           </p:nvPr>
@@ -4882,7 +4895,7 @@
           <p:cNvPr id="3" name="Рисунок 4">
             <a:extLst>
               <a:ext uri="{FF2B5EF4-FFF2-40B4-BE49-F238E27FC236}">
-                <a16:creationId xmlns:a16="http://schemas.microsoft.com/office/drawing/2014/main" id="{EC1A46D8-29E9-4A45-BD61-336F7FE541D5}"/>
+                <a16:creationId xmlns:a16="http://schemas.microsoft.com/office/drawing/2014/main" xmlns="" id="{EC1A46D8-29E9-4A45-BD61-336F7FE541D5}"/>
               </a:ext>
             </a:extLst>
           </p:cNvPr>
@@ -4911,7 +4924,7 @@
           <p:cNvPr id="11" name="Рисунок 4" descr="Изображение выглядит как текст&#10;&#10;Описание создано с очень высокой степенью достоверности">
             <a:extLst>
               <a:ext uri="{FF2B5EF4-FFF2-40B4-BE49-F238E27FC236}">
-                <a16:creationId xmlns:a16="http://schemas.microsoft.com/office/drawing/2014/main" id="{BFCE542A-12AF-4B75-91B4-5E9E4BF8F5BE}"/>
+                <a16:creationId xmlns:a16="http://schemas.microsoft.com/office/drawing/2014/main" xmlns="" id="{BFCE542A-12AF-4B75-91B4-5E9E4BF8F5BE}"/>
               </a:ext>
             </a:extLst>
           </p:cNvPr>
@@ -4978,10 +4991,10 @@
           <p:cNvPr id="6" name="Rectangle 8">
             <a:extLst>
               <a:ext uri="{FF2B5EF4-FFF2-40B4-BE49-F238E27FC236}">
-                <a16:creationId xmlns:a16="http://schemas.microsoft.com/office/drawing/2014/main" id="{39E3965E-AC41-4711-9D10-E25ABB132D86}"/>
+                <a16:creationId xmlns:a16="http://schemas.microsoft.com/office/drawing/2014/main" xmlns="" id="{39E3965E-AC41-4711-9D10-E25ABB132D86}"/>
               </a:ext>
               <a:ext uri="{C183D7F6-B498-43B3-948B-1728B52AA6E4}">
-                <adec:decorative xmlns:adec="http://schemas.microsoft.com/office/drawing/2017/decorative" val="1"/>
+                <adec:decorative xmlns:adec="http://schemas.microsoft.com/office/drawing/2017/decorative" xmlns="" val="1"/>
               </a:ext>
             </a:extLst>
           </p:cNvPr>
@@ -4991,7 +5004,7 @@
           <p:nvPr>
             <p:extLst>
               <p:ext uri="{386F3935-93C4-4BCD-93E2-E3B085C9AB24}">
-                <p16:designElem xmlns:p16="http://schemas.microsoft.com/office/powerpoint/2015/main" val="1"/>
+                <p16:designElem xmlns:p16="http://schemas.microsoft.com/office/powerpoint/2015/main" xmlns="" val="1"/>
               </p:ext>
             </p:extLst>
           </p:nvPr>
@@ -5033,10 +5046,10 @@
           <p:cNvPr id="7" name="Straight Connector 10">
             <a:extLst>
               <a:ext uri="{FF2B5EF4-FFF2-40B4-BE49-F238E27FC236}">
-                <a16:creationId xmlns:a16="http://schemas.microsoft.com/office/drawing/2014/main" id="{1F5DC8C3-BA5F-4EED-BB9A-A14272BD82A1}"/>
+                <a16:creationId xmlns:a16="http://schemas.microsoft.com/office/drawing/2014/main" xmlns="" id="{1F5DC8C3-BA5F-4EED-BB9A-A14272BD82A1}"/>
               </a:ext>
               <a:ext uri="{C183D7F6-B498-43B3-948B-1728B52AA6E4}">
-                <adec:decorative xmlns:adec="http://schemas.microsoft.com/office/drawing/2017/decorative" val="1"/>
+                <adec:decorative xmlns:adec="http://schemas.microsoft.com/office/drawing/2017/decorative" xmlns="" val="1"/>
               </a:ext>
             </a:extLst>
           </p:cNvPr>
@@ -5046,7 +5059,7 @@
           <p:nvPr>
             <p:extLst>
               <p:ext uri="{386F3935-93C4-4BCD-93E2-E3B085C9AB24}">
-                <p16:designElem xmlns:p16="http://schemas.microsoft.com/office/powerpoint/2015/main" val="1"/>
+                <p16:designElem xmlns:p16="http://schemas.microsoft.com/office/powerpoint/2015/main" xmlns="" val="1"/>
               </p:ext>
             </p:extLst>
           </p:nvPr>
@@ -5088,10 +5101,10 @@
           <p:cNvPr id="8" name="Rectangle 12">
             <a:extLst>
               <a:ext uri="{FF2B5EF4-FFF2-40B4-BE49-F238E27FC236}">
-                <a16:creationId xmlns:a16="http://schemas.microsoft.com/office/drawing/2014/main" id="{33428ACC-71EC-4171-9527-10983BA6B41D}"/>
+                <a16:creationId xmlns:a16="http://schemas.microsoft.com/office/drawing/2014/main" xmlns="" id="{33428ACC-71EC-4171-9527-10983BA6B41D}"/>
               </a:ext>
               <a:ext uri="{C183D7F6-B498-43B3-948B-1728B52AA6E4}">
-                <adec:decorative xmlns:adec="http://schemas.microsoft.com/office/drawing/2017/decorative" val="1"/>
+                <adec:decorative xmlns:adec="http://schemas.microsoft.com/office/drawing/2017/decorative" xmlns="" val="1"/>
               </a:ext>
             </a:extLst>
           </p:cNvPr>
@@ -5101,7 +5114,7 @@
           <p:nvPr>
             <p:extLst>
               <p:ext uri="{386F3935-93C4-4BCD-93E2-E3B085C9AB24}">
-                <p16:designElem xmlns:p16="http://schemas.microsoft.com/office/powerpoint/2015/main" val="1"/>
+                <p16:designElem xmlns:p16="http://schemas.microsoft.com/office/powerpoint/2015/main" xmlns="" val="1"/>
               </p:ext>
             </p:extLst>
           </p:nvPr>
@@ -5148,7 +5161,7 @@
           <p:cNvPr id="2" name="Заголовок 1">
             <a:extLst>
               <a:ext uri="{FF2B5EF4-FFF2-40B4-BE49-F238E27FC236}">
-                <a16:creationId xmlns:a16="http://schemas.microsoft.com/office/drawing/2014/main" id="{A79BC0EF-A400-4701-A631-4FBE6177CF19}"/>
+                <a16:creationId xmlns:a16="http://schemas.microsoft.com/office/drawing/2014/main" xmlns="" id="{A79BC0EF-A400-4701-A631-4FBE6177CF19}"/>
               </a:ext>
             </a:extLst>
           </p:cNvPr>
@@ -5194,10 +5207,10 @@
           <p:cNvPr id="10" name="Straight Connector 14">
             <a:extLst>
               <a:ext uri="{FF2B5EF4-FFF2-40B4-BE49-F238E27FC236}">
-                <a16:creationId xmlns:a16="http://schemas.microsoft.com/office/drawing/2014/main" id="{BA22713B-ABB6-4391-97F9-0449A2B9B664}"/>
+                <a16:creationId xmlns:a16="http://schemas.microsoft.com/office/drawing/2014/main" xmlns="" id="{BA22713B-ABB6-4391-97F9-0449A2B9B664}"/>
               </a:ext>
               <a:ext uri="{C183D7F6-B498-43B3-948B-1728B52AA6E4}">
-                <adec:decorative xmlns:adec="http://schemas.microsoft.com/office/drawing/2017/decorative" val="1"/>
+                <adec:decorative xmlns:adec="http://schemas.microsoft.com/office/drawing/2017/decorative" xmlns="" val="1"/>
               </a:ext>
             </a:extLst>
           </p:cNvPr>
@@ -5207,7 +5220,7 @@
           <p:nvPr>
             <p:extLst>
               <p:ext uri="{386F3935-93C4-4BCD-93E2-E3B085C9AB24}">
-                <p16:designElem xmlns:p16="http://schemas.microsoft.com/office/powerpoint/2015/main" val="1"/>
+                <p16:designElem xmlns:p16="http://schemas.microsoft.com/office/powerpoint/2015/main" xmlns="" val="1"/>
               </p:ext>
             </p:extLst>
           </p:nvPr>
@@ -5249,10 +5262,10 @@
           <p:cNvPr id="12" name="Rectangle 16">
             <a:extLst>
               <a:ext uri="{FF2B5EF4-FFF2-40B4-BE49-F238E27FC236}">
-                <a16:creationId xmlns:a16="http://schemas.microsoft.com/office/drawing/2014/main" id="{8D4480B4-953D-41FA-9052-09AB3A026947}"/>
+                <a16:creationId xmlns:a16="http://schemas.microsoft.com/office/drawing/2014/main" xmlns="" id="{8D4480B4-953D-41FA-9052-09AB3A026947}"/>
               </a:ext>
               <a:ext uri="{C183D7F6-B498-43B3-948B-1728B52AA6E4}">
-                <adec:decorative xmlns:adec="http://schemas.microsoft.com/office/drawing/2017/decorative" val="1"/>
+                <adec:decorative xmlns:adec="http://schemas.microsoft.com/office/drawing/2017/decorative" xmlns="" val="1"/>
               </a:ext>
             </a:extLst>
           </p:cNvPr>
@@ -5262,7 +5275,7 @@
           <p:nvPr>
             <p:extLst>
               <p:ext uri="{386F3935-93C4-4BCD-93E2-E3B085C9AB24}">
-                <p16:designElem xmlns:p16="http://schemas.microsoft.com/office/powerpoint/2015/main" val="1"/>
+                <p16:designElem xmlns:p16="http://schemas.microsoft.com/office/powerpoint/2015/main" xmlns="" val="1"/>
               </p:ext>
             </p:extLst>
           </p:nvPr>
@@ -5304,7 +5317,7 @@
           <p:cNvPr id="4" name="Рисунок 4" descr="Изображение выглядит как сидит, вода, клавиатура, белый&#10;&#10;Описание создано с очень высокой степенью достоверности">
             <a:extLst>
               <a:ext uri="{FF2B5EF4-FFF2-40B4-BE49-F238E27FC236}">
-                <a16:creationId xmlns:a16="http://schemas.microsoft.com/office/drawing/2014/main" id="{9F838F1E-3B5A-46E7-9A7E-BA8B409A349F}"/>
+                <a16:creationId xmlns:a16="http://schemas.microsoft.com/office/drawing/2014/main" xmlns="" id="{9F838F1E-3B5A-46E7-9A7E-BA8B409A349F}"/>
               </a:ext>
             </a:extLst>
           </p:cNvPr>
@@ -5372,7 +5385,7 @@
           <p:cNvPr id="4" name="Рисунок 4">
             <a:extLst>
               <a:ext uri="{FF2B5EF4-FFF2-40B4-BE49-F238E27FC236}">
-                <a16:creationId xmlns:a16="http://schemas.microsoft.com/office/drawing/2014/main" id="{4C97776A-511A-499E-AF44-51F59F30F5F8}"/>
+                <a16:creationId xmlns:a16="http://schemas.microsoft.com/office/drawing/2014/main" xmlns="" id="{4C97776A-511A-499E-AF44-51F59F30F5F8}"/>
               </a:ext>
             </a:extLst>
           </p:cNvPr>
@@ -5402,7 +5415,7 @@
           <p:cNvPr id="7" name="Заголовок 1">
             <a:extLst>
               <a:ext uri="{FF2B5EF4-FFF2-40B4-BE49-F238E27FC236}">
-                <a16:creationId xmlns:a16="http://schemas.microsoft.com/office/drawing/2014/main" id="{79702D2B-B4BC-4782-8FC1-EE72DEA8ECDA}"/>
+                <a16:creationId xmlns:a16="http://schemas.microsoft.com/office/drawing/2014/main" xmlns="" id="{79702D2B-B4BC-4782-8FC1-EE72DEA8ECDA}"/>
               </a:ext>
             </a:extLst>
           </p:cNvPr>
@@ -5484,7 +5497,7 @@
           <p:cNvPr id="4" name="Рисунок 4">
             <a:extLst>
               <a:ext uri="{FF2B5EF4-FFF2-40B4-BE49-F238E27FC236}">
-                <a16:creationId xmlns:a16="http://schemas.microsoft.com/office/drawing/2014/main" id="{99D7878E-8FCC-4F3A-9E00-205D5D616236}"/>
+                <a16:creationId xmlns:a16="http://schemas.microsoft.com/office/drawing/2014/main" xmlns="" id="{99D7878E-8FCC-4F3A-9E00-205D5D616236}"/>
               </a:ext>
             </a:extLst>
           </p:cNvPr>
@@ -5514,7 +5527,7 @@
           <p:cNvPr id="7" name="Заголовок 1">
             <a:extLst>
               <a:ext uri="{FF2B5EF4-FFF2-40B4-BE49-F238E27FC236}">
-                <a16:creationId xmlns:a16="http://schemas.microsoft.com/office/drawing/2014/main" id="{AC3211E7-55D7-450E-8E4F-AA497F8AAF80}"/>
+                <a16:creationId xmlns:a16="http://schemas.microsoft.com/office/drawing/2014/main" xmlns="" id="{AC3211E7-55D7-450E-8E4F-AA497F8AAF80}"/>
               </a:ext>
             </a:extLst>
           </p:cNvPr>
@@ -5604,10 +5617,10 @@
           <p:cNvPr id="9" name="Rectangle 8">
             <a:extLst>
               <a:ext uri="{FF2B5EF4-FFF2-40B4-BE49-F238E27FC236}">
-                <a16:creationId xmlns:a16="http://schemas.microsoft.com/office/drawing/2014/main" id="{A8E9C91B-7EAD-4562-AB0E-DFB9663AECE3}"/>
+                <a16:creationId xmlns:a16="http://schemas.microsoft.com/office/drawing/2014/main" xmlns="" id="{A8E9C91B-7EAD-4562-AB0E-DFB9663AECE3}"/>
               </a:ext>
               <a:ext uri="{C183D7F6-B498-43B3-948B-1728B52AA6E4}">
-                <adec:decorative xmlns:adec="http://schemas.microsoft.com/office/drawing/2017/decorative" val="1"/>
+                <adec:decorative xmlns:adec="http://schemas.microsoft.com/office/drawing/2017/decorative" xmlns="" val="1"/>
               </a:ext>
             </a:extLst>
           </p:cNvPr>
@@ -5617,7 +5630,7 @@
           <p:nvPr>
             <p:extLst>
               <p:ext uri="{386F3935-93C4-4BCD-93E2-E3B085C9AB24}">
-                <p16:designElem xmlns:p16="http://schemas.microsoft.com/office/powerpoint/2015/main" val="1"/>
+                <p16:designElem xmlns:p16="http://schemas.microsoft.com/office/powerpoint/2015/main" xmlns="" val="1"/>
               </p:ext>
             </p:extLst>
           </p:nvPr>
@@ -5659,10 +5672,10 @@
           <p:cNvPr id="11" name="Rectangle 10">
             <a:extLst>
               <a:ext uri="{FF2B5EF4-FFF2-40B4-BE49-F238E27FC236}">
-                <a16:creationId xmlns:a16="http://schemas.microsoft.com/office/drawing/2014/main" id="{BCD2D517-BC35-4439-AC31-06DF764F25FC}"/>
+                <a16:creationId xmlns:a16="http://schemas.microsoft.com/office/drawing/2014/main" xmlns="" id="{BCD2D517-BC35-4439-AC31-06DF764F25FC}"/>
               </a:ext>
               <a:ext uri="{C183D7F6-B498-43B3-948B-1728B52AA6E4}">
-                <adec:decorative xmlns:adec="http://schemas.microsoft.com/office/drawing/2017/decorative" val="1"/>
+                <adec:decorative xmlns:adec="http://schemas.microsoft.com/office/drawing/2017/decorative" xmlns="" val="1"/>
               </a:ext>
             </a:extLst>
           </p:cNvPr>
@@ -5672,7 +5685,7 @@
           <p:nvPr>
             <p:extLst>
               <p:ext uri="{386F3935-93C4-4BCD-93E2-E3B085C9AB24}">
-                <p16:designElem xmlns:p16="http://schemas.microsoft.com/office/powerpoint/2015/main" val="1"/>
+                <p16:designElem xmlns:p16="http://schemas.microsoft.com/office/powerpoint/2015/main" xmlns="" val="1"/>
               </p:ext>
             </p:extLst>
           </p:nvPr>
@@ -5722,10 +5735,10 @@
           <p:cNvPr id="13" name="Rectangle 12">
             <a:extLst>
               <a:ext uri="{FF2B5EF4-FFF2-40B4-BE49-F238E27FC236}">
-                <a16:creationId xmlns:a16="http://schemas.microsoft.com/office/drawing/2014/main" id="{2DD3F846-0483-40F5-A881-0C1AD2A0CAD7}"/>
+                <a16:creationId xmlns:a16="http://schemas.microsoft.com/office/drawing/2014/main" xmlns="" id="{2DD3F846-0483-40F5-A881-0C1AD2A0CAD7}"/>
               </a:ext>
               <a:ext uri="{C183D7F6-B498-43B3-948B-1728B52AA6E4}">
-                <adec:decorative xmlns:adec="http://schemas.microsoft.com/office/drawing/2017/decorative" val="1"/>
+                <adec:decorative xmlns:adec="http://schemas.microsoft.com/office/drawing/2017/decorative" xmlns="" val="1"/>
               </a:ext>
             </a:extLst>
           </p:cNvPr>
@@ -5735,7 +5748,7 @@
           <p:nvPr>
             <p:extLst>
               <p:ext uri="{386F3935-93C4-4BCD-93E2-E3B085C9AB24}">
-                <p16:designElem xmlns:p16="http://schemas.microsoft.com/office/powerpoint/2015/main" val="1"/>
+                <p16:designElem xmlns:p16="http://schemas.microsoft.com/office/powerpoint/2015/main" xmlns="" val="1"/>
               </p:ext>
             </p:extLst>
           </p:nvPr>
@@ -5782,7 +5795,7 @@
           <p:cNvPr id="4" name="Рисунок 4" descr="Изображение выглядит как снимок экрана&#10;&#10;Описание создано с очень высокой степенью достоверности">
             <a:extLst>
               <a:ext uri="{FF2B5EF4-FFF2-40B4-BE49-F238E27FC236}">
-                <a16:creationId xmlns:a16="http://schemas.microsoft.com/office/drawing/2014/main" id="{32E8CB54-18E3-4402-9126-7A9D49BFEBC4}"/>
+                <a16:creationId xmlns:a16="http://schemas.microsoft.com/office/drawing/2014/main" xmlns="" id="{32E8CB54-18E3-4402-9126-7A9D49BFEBC4}"/>
               </a:ext>
             </a:extLst>
           </p:cNvPr>
@@ -5850,10 +5863,10 @@
           <p:cNvPr id="9" name="Rectangle 8">
             <a:extLst>
               <a:ext uri="{FF2B5EF4-FFF2-40B4-BE49-F238E27FC236}">
-                <a16:creationId xmlns:a16="http://schemas.microsoft.com/office/drawing/2014/main" id="{A8E9C91B-7EAD-4562-AB0E-DFB9663AECE3}"/>
+                <a16:creationId xmlns:a16="http://schemas.microsoft.com/office/drawing/2014/main" xmlns="" id="{A8E9C91B-7EAD-4562-AB0E-DFB9663AECE3}"/>
               </a:ext>
               <a:ext uri="{C183D7F6-B498-43B3-948B-1728B52AA6E4}">
-                <adec:decorative xmlns:adec="http://schemas.microsoft.com/office/drawing/2017/decorative" val="1"/>
+                <adec:decorative xmlns:adec="http://schemas.microsoft.com/office/drawing/2017/decorative" xmlns="" val="1"/>
               </a:ext>
             </a:extLst>
           </p:cNvPr>
@@ -5863,7 +5876,7 @@
           <p:nvPr>
             <p:extLst>
               <p:ext uri="{386F3935-93C4-4BCD-93E2-E3B085C9AB24}">
-                <p16:designElem xmlns:p16="http://schemas.microsoft.com/office/powerpoint/2015/main" val="1"/>
+                <p16:designElem xmlns:p16="http://schemas.microsoft.com/office/powerpoint/2015/main" xmlns="" val="1"/>
               </p:ext>
             </p:extLst>
           </p:nvPr>
@@ -5905,10 +5918,10 @@
           <p:cNvPr id="11" name="Rectangle 10">
             <a:extLst>
               <a:ext uri="{FF2B5EF4-FFF2-40B4-BE49-F238E27FC236}">
-                <a16:creationId xmlns:a16="http://schemas.microsoft.com/office/drawing/2014/main" id="{BCD2D517-BC35-4439-AC31-06DF764F25FC}"/>
+                <a16:creationId xmlns:a16="http://schemas.microsoft.com/office/drawing/2014/main" xmlns="" id="{BCD2D517-BC35-4439-AC31-06DF764F25FC}"/>
               </a:ext>
               <a:ext uri="{C183D7F6-B498-43B3-948B-1728B52AA6E4}">
-                <adec:decorative xmlns:adec="http://schemas.microsoft.com/office/drawing/2017/decorative" val="1"/>
+                <adec:decorative xmlns:adec="http://schemas.microsoft.com/office/drawing/2017/decorative" xmlns="" val="1"/>
               </a:ext>
             </a:extLst>
           </p:cNvPr>
@@ -5918,7 +5931,7 @@
           <p:nvPr>
             <p:extLst>
               <p:ext uri="{386F3935-93C4-4BCD-93E2-E3B085C9AB24}">
-                <p16:designElem xmlns:p16="http://schemas.microsoft.com/office/powerpoint/2015/main" val="1"/>
+                <p16:designElem xmlns:p16="http://schemas.microsoft.com/office/powerpoint/2015/main" xmlns="" val="1"/>
               </p:ext>
             </p:extLst>
           </p:nvPr>
@@ -5968,10 +5981,10 @@
           <p:cNvPr id="13" name="Rectangle 12">
             <a:extLst>
               <a:ext uri="{FF2B5EF4-FFF2-40B4-BE49-F238E27FC236}">
-                <a16:creationId xmlns:a16="http://schemas.microsoft.com/office/drawing/2014/main" id="{2DD3F846-0483-40F5-A881-0C1AD2A0CAD7}"/>
+                <a16:creationId xmlns:a16="http://schemas.microsoft.com/office/drawing/2014/main" xmlns="" id="{2DD3F846-0483-40F5-A881-0C1AD2A0CAD7}"/>
               </a:ext>
               <a:ext uri="{C183D7F6-B498-43B3-948B-1728B52AA6E4}">
-                <adec:decorative xmlns:adec="http://schemas.microsoft.com/office/drawing/2017/decorative" val="1"/>
+                <adec:decorative xmlns:adec="http://schemas.microsoft.com/office/drawing/2017/decorative" xmlns="" val="1"/>
               </a:ext>
             </a:extLst>
           </p:cNvPr>
@@ -5981,7 +5994,7 @@
           <p:nvPr>
             <p:extLst>
               <p:ext uri="{386F3935-93C4-4BCD-93E2-E3B085C9AB24}">
-                <p16:designElem xmlns:p16="http://schemas.microsoft.com/office/powerpoint/2015/main" val="1"/>
+                <p16:designElem xmlns:p16="http://schemas.microsoft.com/office/powerpoint/2015/main" xmlns="" val="1"/>
               </p:ext>
             </p:extLst>
           </p:nvPr>
@@ -6028,7 +6041,7 @@
           <p:cNvPr id="4" name="Рисунок 4" descr="Изображение выглядит как снимок экрана&#10;&#10;Описание создано с очень высокой степенью достоверности">
             <a:extLst>
               <a:ext uri="{FF2B5EF4-FFF2-40B4-BE49-F238E27FC236}">
-                <a16:creationId xmlns:a16="http://schemas.microsoft.com/office/drawing/2014/main" id="{E11079B9-8960-4FC5-BBA3-AC01B80B920F}"/>
+                <a16:creationId xmlns:a16="http://schemas.microsoft.com/office/drawing/2014/main" xmlns="" id="{E11079B9-8960-4FC5-BBA3-AC01B80B920F}"/>
               </a:ext>
             </a:extLst>
           </p:cNvPr>
@@ -6088,7 +6101,7 @@
           <p:cNvPr id="4" name="Рисунок 4" descr="Изображение выглядит как текст, квитанция&#10;&#10;Описание создано с очень высокой степенью достоверности">
             <a:extLst>
               <a:ext uri="{FF2B5EF4-FFF2-40B4-BE49-F238E27FC236}">
-                <a16:creationId xmlns:a16="http://schemas.microsoft.com/office/drawing/2014/main" id="{83189156-E38E-4DE6-B1BB-EC561FD99138}"/>
+                <a16:creationId xmlns:a16="http://schemas.microsoft.com/office/drawing/2014/main" xmlns="" id="{83189156-E38E-4DE6-B1BB-EC561FD99138}"/>
               </a:ext>
             </a:extLst>
           </p:cNvPr>
@@ -6118,7 +6131,7 @@
           <p:cNvPr id="6" name="Рисунок 6" descr="Изображение выглядит как текст, квитанция&#10;&#10;Описание создано с очень высокой степенью достоверности">
             <a:extLst>
               <a:ext uri="{FF2B5EF4-FFF2-40B4-BE49-F238E27FC236}">
-                <a16:creationId xmlns:a16="http://schemas.microsoft.com/office/drawing/2014/main" id="{55A6AAFF-C8E9-46B9-88EC-867693C4DF6D}"/>
+                <a16:creationId xmlns:a16="http://schemas.microsoft.com/office/drawing/2014/main" xmlns="" id="{55A6AAFF-C8E9-46B9-88EC-867693C4DF6D}"/>
               </a:ext>
             </a:extLst>
           </p:cNvPr>
@@ -6148,7 +6161,7 @@
           <p:cNvPr id="8" name="Рисунок 8" descr="Изображение выглядит как снимок экрана&#10;&#10;Описание создано с очень высокой степенью достоверности">
             <a:extLst>
               <a:ext uri="{FF2B5EF4-FFF2-40B4-BE49-F238E27FC236}">
-                <a16:creationId xmlns:a16="http://schemas.microsoft.com/office/drawing/2014/main" id="{A3F30D63-E1DC-4EE3-9F03-8994AED0BC28}"/>
+                <a16:creationId xmlns:a16="http://schemas.microsoft.com/office/drawing/2014/main" xmlns="" id="{A3F30D63-E1DC-4EE3-9F03-8994AED0BC28}"/>
               </a:ext>
             </a:extLst>
           </p:cNvPr>
@@ -6208,7 +6221,7 @@
           <p:cNvPr id="2" name="Заголовок 1">
             <a:extLst>
               <a:ext uri="{FF2B5EF4-FFF2-40B4-BE49-F238E27FC236}">
-                <a16:creationId xmlns:a16="http://schemas.microsoft.com/office/drawing/2014/main" id="{0BD17C9A-BB71-45C9-800B-47A16EB1AD82}"/>
+                <a16:creationId xmlns:a16="http://schemas.microsoft.com/office/drawing/2014/main" xmlns="" id="{0BD17C9A-BB71-45C9-800B-47A16EB1AD82}"/>
               </a:ext>
             </a:extLst>
           </p:cNvPr>
@@ -6241,7 +6254,7 @@
           <p:cNvPr id="4" name="Рисунок 4" descr="Изображение выглядит как стол&#10;&#10;Описание создано с очень высокой степенью достоверности">
             <a:extLst>
               <a:ext uri="{FF2B5EF4-FFF2-40B4-BE49-F238E27FC236}">
-                <a16:creationId xmlns:a16="http://schemas.microsoft.com/office/drawing/2014/main" id="{F9F55BFF-5FD7-4B0C-85F2-10DA217AF43B}"/>
+                <a16:creationId xmlns:a16="http://schemas.microsoft.com/office/drawing/2014/main" xmlns="" id="{F9F55BFF-5FD7-4B0C-85F2-10DA217AF43B}"/>
               </a:ext>
             </a:extLst>
           </p:cNvPr>
@@ -6271,7 +6284,7 @@
           <p:cNvPr id="6" name="Рисунок 6">
             <a:extLst>
               <a:ext uri="{FF2B5EF4-FFF2-40B4-BE49-F238E27FC236}">
-                <a16:creationId xmlns:a16="http://schemas.microsoft.com/office/drawing/2014/main" id="{0510CDD5-D535-41F6-84A7-24B3416DC0DC}"/>
+                <a16:creationId xmlns:a16="http://schemas.microsoft.com/office/drawing/2014/main" xmlns="" id="{0510CDD5-D535-41F6-84A7-24B3416DC0DC}"/>
               </a:ext>
             </a:extLst>
           </p:cNvPr>
@@ -6339,10 +6352,10 @@
           <p:cNvPr id="9" name="Rectangle 8">
             <a:extLst>
               <a:ext uri="{FF2B5EF4-FFF2-40B4-BE49-F238E27FC236}">
-                <a16:creationId xmlns:a16="http://schemas.microsoft.com/office/drawing/2014/main" id="{39E3965E-AC41-4711-9D10-E25ABB132D86}"/>
+                <a16:creationId xmlns:a16="http://schemas.microsoft.com/office/drawing/2014/main" xmlns="" id="{39E3965E-AC41-4711-9D10-E25ABB132D86}"/>
               </a:ext>
               <a:ext uri="{C183D7F6-B498-43B3-948B-1728B52AA6E4}">
-                <adec:decorative xmlns:adec="http://schemas.microsoft.com/office/drawing/2017/decorative" val="1"/>
+                <adec:decorative xmlns:adec="http://schemas.microsoft.com/office/drawing/2017/decorative" xmlns="" val="1"/>
               </a:ext>
             </a:extLst>
           </p:cNvPr>
@@ -6352,7 +6365,7 @@
           <p:nvPr>
             <p:extLst>
               <p:ext uri="{386F3935-93C4-4BCD-93E2-E3B085C9AB24}">
-                <p16:designElem xmlns:p16="http://schemas.microsoft.com/office/powerpoint/2015/main" val="1"/>
+                <p16:designElem xmlns:p16="http://schemas.microsoft.com/office/powerpoint/2015/main" xmlns="" val="1"/>
               </p:ext>
             </p:extLst>
           </p:nvPr>
@@ -6394,10 +6407,10 @@
           <p:cNvPr id="11" name="Straight Connector 10">
             <a:extLst>
               <a:ext uri="{FF2B5EF4-FFF2-40B4-BE49-F238E27FC236}">
-                <a16:creationId xmlns:a16="http://schemas.microsoft.com/office/drawing/2014/main" id="{1F5DC8C3-BA5F-4EED-BB9A-A14272BD82A1}"/>
+                <a16:creationId xmlns:a16="http://schemas.microsoft.com/office/drawing/2014/main" xmlns="" id="{1F5DC8C3-BA5F-4EED-BB9A-A14272BD82A1}"/>
               </a:ext>
               <a:ext uri="{C183D7F6-B498-43B3-948B-1728B52AA6E4}">
-                <adec:decorative xmlns:adec="http://schemas.microsoft.com/office/drawing/2017/decorative" val="1"/>
+                <adec:decorative xmlns:adec="http://schemas.microsoft.com/office/drawing/2017/decorative" xmlns="" val="1"/>
               </a:ext>
             </a:extLst>
           </p:cNvPr>
@@ -6407,7 +6420,7 @@
           <p:nvPr>
             <p:extLst>
               <p:ext uri="{386F3935-93C4-4BCD-93E2-E3B085C9AB24}">
-                <p16:designElem xmlns:p16="http://schemas.microsoft.com/office/powerpoint/2015/main" val="1"/>
+                <p16:designElem xmlns:p16="http://schemas.microsoft.com/office/powerpoint/2015/main" xmlns="" val="1"/>
               </p:ext>
             </p:extLst>
           </p:nvPr>
@@ -6449,10 +6462,10 @@
           <p:cNvPr id="13" name="Rectangle 12">
             <a:extLst>
               <a:ext uri="{FF2B5EF4-FFF2-40B4-BE49-F238E27FC236}">
-                <a16:creationId xmlns:a16="http://schemas.microsoft.com/office/drawing/2014/main" id="{33428ACC-71EC-4171-9527-10983BA6B41D}"/>
+                <a16:creationId xmlns:a16="http://schemas.microsoft.com/office/drawing/2014/main" xmlns="" id="{33428ACC-71EC-4171-9527-10983BA6B41D}"/>
               </a:ext>
               <a:ext uri="{C183D7F6-B498-43B3-948B-1728B52AA6E4}">
-                <adec:decorative xmlns:adec="http://schemas.microsoft.com/office/drawing/2017/decorative" val="1"/>
+                <adec:decorative xmlns:adec="http://schemas.microsoft.com/office/drawing/2017/decorative" xmlns="" val="1"/>
               </a:ext>
             </a:extLst>
           </p:cNvPr>
@@ -6462,7 +6475,7 @@
           <p:nvPr>
             <p:extLst>
               <p:ext uri="{386F3935-93C4-4BCD-93E2-E3B085C9AB24}">
-                <p16:designElem xmlns:p16="http://schemas.microsoft.com/office/powerpoint/2015/main" val="1"/>
+                <p16:designElem xmlns:p16="http://schemas.microsoft.com/office/powerpoint/2015/main" xmlns="" val="1"/>
               </p:ext>
             </p:extLst>
           </p:nvPr>
@@ -6509,7 +6522,7 @@
           <p:cNvPr id="2" name="Заголовок 1">
             <a:extLst>
               <a:ext uri="{FF2B5EF4-FFF2-40B4-BE49-F238E27FC236}">
-                <a16:creationId xmlns:a16="http://schemas.microsoft.com/office/drawing/2014/main" id="{7403DD22-A4B9-4325-A891-47DFB1EB48CD}"/>
+                <a16:creationId xmlns:a16="http://schemas.microsoft.com/office/drawing/2014/main" xmlns="" id="{7403DD22-A4B9-4325-A891-47DFB1EB48CD}"/>
               </a:ext>
             </a:extLst>
           </p:cNvPr>
@@ -6551,7 +6564,7 @@
           <p:cNvPr id="4" name="Рисунок 4" descr="Изображение выглядит как снимок экрана&#10;&#10;Описание создано с очень высокой степенью достоверности">
             <a:extLst>
               <a:ext uri="{FF2B5EF4-FFF2-40B4-BE49-F238E27FC236}">
-                <a16:creationId xmlns:a16="http://schemas.microsoft.com/office/drawing/2014/main" id="{611583F7-F183-4991-97E3-3553EB177EAA}"/>
+                <a16:creationId xmlns:a16="http://schemas.microsoft.com/office/drawing/2014/main" xmlns="" id="{611583F7-F183-4991-97E3-3553EB177EAA}"/>
               </a:ext>
             </a:extLst>
           </p:cNvPr>
@@ -6581,10 +6594,10 @@
           <p:cNvPr id="15" name="Straight Connector 14">
             <a:extLst>
               <a:ext uri="{FF2B5EF4-FFF2-40B4-BE49-F238E27FC236}">
-                <a16:creationId xmlns:a16="http://schemas.microsoft.com/office/drawing/2014/main" id="{BA22713B-ABB6-4391-97F9-0449A2B9B664}"/>
+                <a16:creationId xmlns:a16="http://schemas.microsoft.com/office/drawing/2014/main" xmlns="" id="{BA22713B-ABB6-4391-97F9-0449A2B9B664}"/>
               </a:ext>
               <a:ext uri="{C183D7F6-B498-43B3-948B-1728B52AA6E4}">
-                <adec:decorative xmlns:adec="http://schemas.microsoft.com/office/drawing/2017/decorative" val="1"/>
+                <adec:decorative xmlns:adec="http://schemas.microsoft.com/office/drawing/2017/decorative" xmlns="" val="1"/>
               </a:ext>
             </a:extLst>
           </p:cNvPr>
@@ -6594,7 +6607,7 @@
           <p:nvPr>
             <p:extLst>
               <p:ext uri="{386F3935-93C4-4BCD-93E2-E3B085C9AB24}">
-                <p16:designElem xmlns:p16="http://schemas.microsoft.com/office/powerpoint/2015/main" val="1"/>
+                <p16:designElem xmlns:p16="http://schemas.microsoft.com/office/powerpoint/2015/main" xmlns="" val="1"/>
               </p:ext>
             </p:extLst>
           </p:nvPr>
@@ -6636,10 +6649,10 @@
           <p:cNvPr id="17" name="Rectangle 16">
             <a:extLst>
               <a:ext uri="{FF2B5EF4-FFF2-40B4-BE49-F238E27FC236}">
-                <a16:creationId xmlns:a16="http://schemas.microsoft.com/office/drawing/2014/main" id="{8D4480B4-953D-41FA-9052-09AB3A026947}"/>
+                <a16:creationId xmlns:a16="http://schemas.microsoft.com/office/drawing/2014/main" xmlns="" id="{8D4480B4-953D-41FA-9052-09AB3A026947}"/>
               </a:ext>
               <a:ext uri="{C183D7F6-B498-43B3-948B-1728B52AA6E4}">
-                <adec:decorative xmlns:adec="http://schemas.microsoft.com/office/drawing/2017/decorative" val="1"/>
+                <adec:decorative xmlns:adec="http://schemas.microsoft.com/office/drawing/2017/decorative" xmlns="" val="1"/>
               </a:ext>
             </a:extLst>
           </p:cNvPr>
@@ -6649,7 +6662,7 @@
           <p:nvPr>
             <p:extLst>
               <p:ext uri="{386F3935-93C4-4BCD-93E2-E3B085C9AB24}">
-                <p16:designElem xmlns:p16="http://schemas.microsoft.com/office/powerpoint/2015/main" val="1"/>
+                <p16:designElem xmlns:p16="http://schemas.microsoft.com/office/powerpoint/2015/main" xmlns="" val="1"/>
               </p:ext>
             </p:extLst>
           </p:nvPr>
@@ -6729,10 +6742,10 @@
           <p:cNvPr id="22" name="Rectangle 21">
             <a:extLst>
               <a:ext uri="{FF2B5EF4-FFF2-40B4-BE49-F238E27FC236}">
-                <a16:creationId xmlns:a16="http://schemas.microsoft.com/office/drawing/2014/main" id="{39E3965E-AC41-4711-9D10-E25ABB132D86}"/>
+                <a16:creationId xmlns:a16="http://schemas.microsoft.com/office/drawing/2014/main" xmlns="" id="{39E3965E-AC41-4711-9D10-E25ABB132D86}"/>
               </a:ext>
               <a:ext uri="{C183D7F6-B498-43B3-948B-1728B52AA6E4}">
-                <adec:decorative xmlns:adec="http://schemas.microsoft.com/office/drawing/2017/decorative" val="1"/>
+                <adec:decorative xmlns:adec="http://schemas.microsoft.com/office/drawing/2017/decorative" xmlns="" val="1"/>
               </a:ext>
             </a:extLst>
           </p:cNvPr>
@@ -6742,7 +6755,7 @@
           <p:nvPr>
             <p:extLst>
               <p:ext uri="{386F3935-93C4-4BCD-93E2-E3B085C9AB24}">
-                <p16:designElem xmlns:p16="http://schemas.microsoft.com/office/powerpoint/2015/main" val="1"/>
+                <p16:designElem xmlns:p16="http://schemas.microsoft.com/office/powerpoint/2015/main" xmlns="" val="1"/>
               </p:ext>
             </p:extLst>
           </p:nvPr>
@@ -6784,10 +6797,10 @@
           <p:cNvPr id="24" name="Straight Connector 23">
             <a:extLst>
               <a:ext uri="{FF2B5EF4-FFF2-40B4-BE49-F238E27FC236}">
-                <a16:creationId xmlns:a16="http://schemas.microsoft.com/office/drawing/2014/main" id="{1F5DC8C3-BA5F-4EED-BB9A-A14272BD82A1}"/>
+                <a16:creationId xmlns:a16="http://schemas.microsoft.com/office/drawing/2014/main" xmlns="" id="{1F5DC8C3-BA5F-4EED-BB9A-A14272BD82A1}"/>
               </a:ext>
               <a:ext uri="{C183D7F6-B498-43B3-948B-1728B52AA6E4}">
-                <adec:decorative xmlns:adec="http://schemas.microsoft.com/office/drawing/2017/decorative" val="1"/>
+                <adec:decorative xmlns:adec="http://schemas.microsoft.com/office/drawing/2017/decorative" xmlns="" val="1"/>
               </a:ext>
             </a:extLst>
           </p:cNvPr>
@@ -6797,7 +6810,7 @@
           <p:nvPr>
             <p:extLst>
               <p:ext uri="{386F3935-93C4-4BCD-93E2-E3B085C9AB24}">
-                <p16:designElem xmlns:p16="http://schemas.microsoft.com/office/powerpoint/2015/main" val="1"/>
+                <p16:designElem xmlns:p16="http://schemas.microsoft.com/office/powerpoint/2015/main" xmlns="" val="1"/>
               </p:ext>
             </p:extLst>
           </p:nvPr>
@@ -6839,10 +6852,10 @@
           <p:cNvPr id="26" name="Rectangle 25">
             <a:extLst>
               <a:ext uri="{FF2B5EF4-FFF2-40B4-BE49-F238E27FC236}">
-                <a16:creationId xmlns:a16="http://schemas.microsoft.com/office/drawing/2014/main" id="{33428ACC-71EC-4171-9527-10983BA6B41D}"/>
+                <a16:creationId xmlns:a16="http://schemas.microsoft.com/office/drawing/2014/main" xmlns="" id="{33428ACC-71EC-4171-9527-10983BA6B41D}"/>
               </a:ext>
               <a:ext uri="{C183D7F6-B498-43B3-948B-1728B52AA6E4}">
-                <adec:decorative xmlns:adec="http://schemas.microsoft.com/office/drawing/2017/decorative" val="1"/>
+                <adec:decorative xmlns:adec="http://schemas.microsoft.com/office/drawing/2017/decorative" xmlns="" val="1"/>
               </a:ext>
             </a:extLst>
           </p:cNvPr>
@@ -6852,7 +6865,7 @@
           <p:nvPr>
             <p:extLst>
               <p:ext uri="{386F3935-93C4-4BCD-93E2-E3B085C9AB24}">
-                <p16:designElem xmlns:p16="http://schemas.microsoft.com/office/powerpoint/2015/main" val="1"/>
+                <p16:designElem xmlns:p16="http://schemas.microsoft.com/office/powerpoint/2015/main" xmlns="" val="1"/>
               </p:ext>
             </p:extLst>
           </p:nvPr>
@@ -6899,7 +6912,7 @@
           <p:cNvPr id="2" name="Заголовок 1">
             <a:extLst>
               <a:ext uri="{FF2B5EF4-FFF2-40B4-BE49-F238E27FC236}">
-                <a16:creationId xmlns:a16="http://schemas.microsoft.com/office/drawing/2014/main" id="{7403DD22-A4B9-4325-A891-47DFB1EB48CD}"/>
+                <a16:creationId xmlns:a16="http://schemas.microsoft.com/office/drawing/2014/main" xmlns="" id="{7403DD22-A4B9-4325-A891-47DFB1EB48CD}"/>
               </a:ext>
             </a:extLst>
           </p:cNvPr>
@@ -6941,7 +6954,7 @@
           <p:cNvPr id="3" name="Рисунок 4">
             <a:extLst>
               <a:ext uri="{FF2B5EF4-FFF2-40B4-BE49-F238E27FC236}">
-                <a16:creationId xmlns:a16="http://schemas.microsoft.com/office/drawing/2014/main" id="{9647BD1F-08D1-45AD-BE26-D6C7304A2FDC}"/>
+                <a16:creationId xmlns:a16="http://schemas.microsoft.com/office/drawing/2014/main" xmlns="" id="{9647BD1F-08D1-45AD-BE26-D6C7304A2FDC}"/>
               </a:ext>
             </a:extLst>
           </p:cNvPr>
@@ -6971,10 +6984,10 @@
           <p:cNvPr id="28" name="Straight Connector 27">
             <a:extLst>
               <a:ext uri="{FF2B5EF4-FFF2-40B4-BE49-F238E27FC236}">
-                <a16:creationId xmlns:a16="http://schemas.microsoft.com/office/drawing/2014/main" id="{BA22713B-ABB6-4391-97F9-0449A2B9B664}"/>
+                <a16:creationId xmlns:a16="http://schemas.microsoft.com/office/drawing/2014/main" xmlns="" id="{BA22713B-ABB6-4391-97F9-0449A2B9B664}"/>
               </a:ext>
               <a:ext uri="{C183D7F6-B498-43B3-948B-1728B52AA6E4}">
-                <adec:decorative xmlns:adec="http://schemas.microsoft.com/office/drawing/2017/decorative" val="1"/>
+                <adec:decorative xmlns:adec="http://schemas.microsoft.com/office/drawing/2017/decorative" xmlns="" val="1"/>
               </a:ext>
             </a:extLst>
           </p:cNvPr>
@@ -6984,7 +6997,7 @@
           <p:nvPr>
             <p:extLst>
               <p:ext uri="{386F3935-93C4-4BCD-93E2-E3B085C9AB24}">
-                <p16:designElem xmlns:p16="http://schemas.microsoft.com/office/powerpoint/2015/main" val="1"/>
+                <p16:designElem xmlns:p16="http://schemas.microsoft.com/office/powerpoint/2015/main" xmlns="" val="1"/>
               </p:ext>
             </p:extLst>
           </p:nvPr>
@@ -7026,10 +7039,10 @@
           <p:cNvPr id="30" name="Rectangle 29">
             <a:extLst>
               <a:ext uri="{FF2B5EF4-FFF2-40B4-BE49-F238E27FC236}">
-                <a16:creationId xmlns:a16="http://schemas.microsoft.com/office/drawing/2014/main" id="{8D4480B4-953D-41FA-9052-09AB3A026947}"/>
+                <a16:creationId xmlns:a16="http://schemas.microsoft.com/office/drawing/2014/main" xmlns="" id="{8D4480B4-953D-41FA-9052-09AB3A026947}"/>
               </a:ext>
               <a:ext uri="{C183D7F6-B498-43B3-948B-1728B52AA6E4}">
-                <adec:decorative xmlns:adec="http://schemas.microsoft.com/office/drawing/2017/decorative" val="1"/>
+                <adec:decorative xmlns:adec="http://schemas.microsoft.com/office/drawing/2017/decorative" xmlns="" val="1"/>
               </a:ext>
             </a:extLst>
           </p:cNvPr>
@@ -7039,7 +7052,7 @@
           <p:nvPr>
             <p:extLst>
               <p:ext uri="{386F3935-93C4-4BCD-93E2-E3B085C9AB24}">
-                <p16:designElem xmlns:p16="http://schemas.microsoft.com/office/powerpoint/2015/main" val="1"/>
+                <p16:designElem xmlns:p16="http://schemas.microsoft.com/office/powerpoint/2015/main" xmlns="" val="1"/>
               </p:ext>
             </p:extLst>
           </p:nvPr>
@@ -7119,10 +7132,10 @@
           <p:cNvPr id="6" name="Rectangle 8">
             <a:extLst>
               <a:ext uri="{FF2B5EF4-FFF2-40B4-BE49-F238E27FC236}">
-                <a16:creationId xmlns:a16="http://schemas.microsoft.com/office/drawing/2014/main" id="{39E3965E-AC41-4711-9D10-E25ABB132D86}"/>
+                <a16:creationId xmlns:a16="http://schemas.microsoft.com/office/drawing/2014/main" xmlns="" id="{39E3965E-AC41-4711-9D10-E25ABB132D86}"/>
               </a:ext>
               <a:ext uri="{C183D7F6-B498-43B3-948B-1728B52AA6E4}">
-                <adec:decorative xmlns:adec="http://schemas.microsoft.com/office/drawing/2017/decorative" val="1"/>
+                <adec:decorative xmlns:adec="http://schemas.microsoft.com/office/drawing/2017/decorative" xmlns="" val="1"/>
               </a:ext>
             </a:extLst>
           </p:cNvPr>
@@ -7132,7 +7145,7 @@
           <p:nvPr>
             <p:extLst>
               <p:ext uri="{386F3935-93C4-4BCD-93E2-E3B085C9AB24}">
-                <p16:designElem xmlns:p16="http://schemas.microsoft.com/office/powerpoint/2015/main" val="1"/>
+                <p16:designElem xmlns:p16="http://schemas.microsoft.com/office/powerpoint/2015/main" xmlns="" val="1"/>
               </p:ext>
             </p:extLst>
           </p:nvPr>
@@ -7174,10 +7187,10 @@
           <p:cNvPr id="7" name="Straight Connector 10">
             <a:extLst>
               <a:ext uri="{FF2B5EF4-FFF2-40B4-BE49-F238E27FC236}">
-                <a16:creationId xmlns:a16="http://schemas.microsoft.com/office/drawing/2014/main" id="{1F5DC8C3-BA5F-4EED-BB9A-A14272BD82A1}"/>
+                <a16:creationId xmlns:a16="http://schemas.microsoft.com/office/drawing/2014/main" xmlns="" id="{1F5DC8C3-BA5F-4EED-BB9A-A14272BD82A1}"/>
               </a:ext>
               <a:ext uri="{C183D7F6-B498-43B3-948B-1728B52AA6E4}">
-                <adec:decorative xmlns:adec="http://schemas.microsoft.com/office/drawing/2017/decorative" val="1"/>
+                <adec:decorative xmlns:adec="http://schemas.microsoft.com/office/drawing/2017/decorative" xmlns="" val="1"/>
               </a:ext>
             </a:extLst>
           </p:cNvPr>
@@ -7187,7 +7200,7 @@
           <p:nvPr>
             <p:extLst>
               <p:ext uri="{386F3935-93C4-4BCD-93E2-E3B085C9AB24}">
-                <p16:designElem xmlns:p16="http://schemas.microsoft.com/office/powerpoint/2015/main" val="1"/>
+                <p16:designElem xmlns:p16="http://schemas.microsoft.com/office/powerpoint/2015/main" xmlns="" val="1"/>
               </p:ext>
             </p:extLst>
           </p:nvPr>
@@ -7229,10 +7242,10 @@
           <p:cNvPr id="8" name="Rectangle 12">
             <a:extLst>
               <a:ext uri="{FF2B5EF4-FFF2-40B4-BE49-F238E27FC236}">
-                <a16:creationId xmlns:a16="http://schemas.microsoft.com/office/drawing/2014/main" id="{33428ACC-71EC-4171-9527-10983BA6B41D}"/>
+                <a16:creationId xmlns:a16="http://schemas.microsoft.com/office/drawing/2014/main" xmlns="" id="{33428ACC-71EC-4171-9527-10983BA6B41D}"/>
               </a:ext>
               <a:ext uri="{C183D7F6-B498-43B3-948B-1728B52AA6E4}">
-                <adec:decorative xmlns:adec="http://schemas.microsoft.com/office/drawing/2017/decorative" val="1"/>
+                <adec:decorative xmlns:adec="http://schemas.microsoft.com/office/drawing/2017/decorative" xmlns="" val="1"/>
               </a:ext>
             </a:extLst>
           </p:cNvPr>
@@ -7242,7 +7255,7 @@
           <p:nvPr>
             <p:extLst>
               <p:ext uri="{386F3935-93C4-4BCD-93E2-E3B085C9AB24}">
-                <p16:designElem xmlns:p16="http://schemas.microsoft.com/office/powerpoint/2015/main" val="1"/>
+                <p16:designElem xmlns:p16="http://schemas.microsoft.com/office/powerpoint/2015/main" xmlns="" val="1"/>
               </p:ext>
             </p:extLst>
           </p:nvPr>
@@ -7289,7 +7302,7 @@
           <p:cNvPr id="2" name="Заголовок 1">
             <a:extLst>
               <a:ext uri="{FF2B5EF4-FFF2-40B4-BE49-F238E27FC236}">
-                <a16:creationId xmlns:a16="http://schemas.microsoft.com/office/drawing/2014/main" id="{A79BC0EF-A400-4701-A631-4FBE6177CF19}"/>
+                <a16:creationId xmlns:a16="http://schemas.microsoft.com/office/drawing/2014/main" xmlns="" id="{A79BC0EF-A400-4701-A631-4FBE6177CF19}"/>
               </a:ext>
             </a:extLst>
           </p:cNvPr>
@@ -7331,10 +7344,10 @@
           <p:cNvPr id="10" name="Straight Connector 14">
             <a:extLst>
               <a:ext uri="{FF2B5EF4-FFF2-40B4-BE49-F238E27FC236}">
-                <a16:creationId xmlns:a16="http://schemas.microsoft.com/office/drawing/2014/main" id="{BA22713B-ABB6-4391-97F9-0449A2B9B664}"/>
+                <a16:creationId xmlns:a16="http://schemas.microsoft.com/office/drawing/2014/main" xmlns="" id="{BA22713B-ABB6-4391-97F9-0449A2B9B664}"/>
               </a:ext>
               <a:ext uri="{C183D7F6-B498-43B3-948B-1728B52AA6E4}">
-                <adec:decorative xmlns:adec="http://schemas.microsoft.com/office/drawing/2017/decorative" val="1"/>
+                <adec:decorative xmlns:adec="http://schemas.microsoft.com/office/drawing/2017/decorative" xmlns="" val="1"/>
               </a:ext>
             </a:extLst>
           </p:cNvPr>
@@ -7344,7 +7357,7 @@
           <p:nvPr>
             <p:extLst>
               <p:ext uri="{386F3935-93C4-4BCD-93E2-E3B085C9AB24}">
-                <p16:designElem xmlns:p16="http://schemas.microsoft.com/office/powerpoint/2015/main" val="1"/>
+                <p16:designElem xmlns:p16="http://schemas.microsoft.com/office/powerpoint/2015/main" xmlns="" val="1"/>
               </p:ext>
             </p:extLst>
           </p:nvPr>
@@ -7386,10 +7399,10 @@
           <p:cNvPr id="12" name="Rectangle 16">
             <a:extLst>
               <a:ext uri="{FF2B5EF4-FFF2-40B4-BE49-F238E27FC236}">
-                <a16:creationId xmlns:a16="http://schemas.microsoft.com/office/drawing/2014/main" id="{8D4480B4-953D-41FA-9052-09AB3A026947}"/>
+                <a16:creationId xmlns:a16="http://schemas.microsoft.com/office/drawing/2014/main" xmlns="" id="{8D4480B4-953D-41FA-9052-09AB3A026947}"/>
               </a:ext>
               <a:ext uri="{C183D7F6-B498-43B3-948B-1728B52AA6E4}">
-                <adec:decorative xmlns:adec="http://schemas.microsoft.com/office/drawing/2017/decorative" val="1"/>
+                <adec:decorative xmlns:adec="http://schemas.microsoft.com/office/drawing/2017/decorative" xmlns="" val="1"/>
               </a:ext>
             </a:extLst>
           </p:cNvPr>
@@ -7399,7 +7412,7 @@
           <p:nvPr>
             <p:extLst>
               <p:ext uri="{386F3935-93C4-4BCD-93E2-E3B085C9AB24}">
-                <p16:designElem xmlns:p16="http://schemas.microsoft.com/office/powerpoint/2015/main" val="1"/>
+                <p16:designElem xmlns:p16="http://schemas.microsoft.com/office/powerpoint/2015/main" xmlns="" val="1"/>
               </p:ext>
             </p:extLst>
           </p:nvPr>
@@ -7441,7 +7454,7 @@
           <p:cNvPr id="4" name="Рисунок 4">
             <a:extLst>
               <a:ext uri="{FF2B5EF4-FFF2-40B4-BE49-F238E27FC236}">
-                <a16:creationId xmlns:a16="http://schemas.microsoft.com/office/drawing/2014/main" id="{173B1BDC-3EE0-4370-B9E3-8E2041E83544}"/>
+                <a16:creationId xmlns:a16="http://schemas.microsoft.com/office/drawing/2014/main" xmlns="" id="{173B1BDC-3EE0-4370-B9E3-8E2041E83544}"/>
               </a:ext>
             </a:extLst>
           </p:cNvPr>
@@ -7509,10 +7522,10 @@
           <p:cNvPr id="6" name="Rectangle 8">
             <a:extLst>
               <a:ext uri="{FF2B5EF4-FFF2-40B4-BE49-F238E27FC236}">
-                <a16:creationId xmlns:a16="http://schemas.microsoft.com/office/drawing/2014/main" id="{39E3965E-AC41-4711-9D10-E25ABB132D86}"/>
+                <a16:creationId xmlns:a16="http://schemas.microsoft.com/office/drawing/2014/main" xmlns="" id="{39E3965E-AC41-4711-9D10-E25ABB132D86}"/>
               </a:ext>
               <a:ext uri="{C183D7F6-B498-43B3-948B-1728B52AA6E4}">
-                <adec:decorative xmlns:adec="http://schemas.microsoft.com/office/drawing/2017/decorative" val="1"/>
+                <adec:decorative xmlns:adec="http://schemas.microsoft.com/office/drawing/2017/decorative" xmlns="" val="1"/>
               </a:ext>
             </a:extLst>
           </p:cNvPr>
@@ -7522,7 +7535,7 @@
           <p:nvPr>
             <p:extLst>
               <p:ext uri="{386F3935-93C4-4BCD-93E2-E3B085C9AB24}">
-                <p16:designElem xmlns:p16="http://schemas.microsoft.com/office/powerpoint/2015/main" val="1"/>
+                <p16:designElem xmlns:p16="http://schemas.microsoft.com/office/powerpoint/2015/main" xmlns="" val="1"/>
               </p:ext>
             </p:extLst>
           </p:nvPr>
@@ -7564,10 +7577,10 @@
           <p:cNvPr id="7" name="Straight Connector 10">
             <a:extLst>
               <a:ext uri="{FF2B5EF4-FFF2-40B4-BE49-F238E27FC236}">
-                <a16:creationId xmlns:a16="http://schemas.microsoft.com/office/drawing/2014/main" id="{1F5DC8C3-BA5F-4EED-BB9A-A14272BD82A1}"/>
+                <a16:creationId xmlns:a16="http://schemas.microsoft.com/office/drawing/2014/main" xmlns="" id="{1F5DC8C3-BA5F-4EED-BB9A-A14272BD82A1}"/>
               </a:ext>
               <a:ext uri="{C183D7F6-B498-43B3-948B-1728B52AA6E4}">
-                <adec:decorative xmlns:adec="http://schemas.microsoft.com/office/drawing/2017/decorative" val="1"/>
+                <adec:decorative xmlns:adec="http://schemas.microsoft.com/office/drawing/2017/decorative" xmlns="" val="1"/>
               </a:ext>
             </a:extLst>
           </p:cNvPr>
@@ -7577,7 +7590,7 @@
           <p:nvPr>
             <p:extLst>
               <p:ext uri="{386F3935-93C4-4BCD-93E2-E3B085C9AB24}">
-                <p16:designElem xmlns:p16="http://schemas.microsoft.com/office/powerpoint/2015/main" val="1"/>
+                <p16:designElem xmlns:p16="http://schemas.microsoft.com/office/powerpoint/2015/main" xmlns="" val="1"/>
               </p:ext>
             </p:extLst>
           </p:nvPr>
@@ -7619,10 +7632,10 @@
           <p:cNvPr id="8" name="Rectangle 12">
             <a:extLst>
               <a:ext uri="{FF2B5EF4-FFF2-40B4-BE49-F238E27FC236}">
-                <a16:creationId xmlns:a16="http://schemas.microsoft.com/office/drawing/2014/main" id="{33428ACC-71EC-4171-9527-10983BA6B41D}"/>
+                <a16:creationId xmlns:a16="http://schemas.microsoft.com/office/drawing/2014/main" xmlns="" id="{33428ACC-71EC-4171-9527-10983BA6B41D}"/>
               </a:ext>
               <a:ext uri="{C183D7F6-B498-43B3-948B-1728B52AA6E4}">
-                <adec:decorative xmlns:adec="http://schemas.microsoft.com/office/drawing/2017/decorative" val="1"/>
+                <adec:decorative xmlns:adec="http://schemas.microsoft.com/office/drawing/2017/decorative" xmlns="" val="1"/>
               </a:ext>
             </a:extLst>
           </p:cNvPr>
@@ -7632,7 +7645,7 @@
           <p:nvPr>
             <p:extLst>
               <p:ext uri="{386F3935-93C4-4BCD-93E2-E3B085C9AB24}">
-                <p16:designElem xmlns:p16="http://schemas.microsoft.com/office/powerpoint/2015/main" val="1"/>
+                <p16:designElem xmlns:p16="http://schemas.microsoft.com/office/powerpoint/2015/main" xmlns="" val="1"/>
               </p:ext>
             </p:extLst>
           </p:nvPr>
@@ -7679,7 +7692,7 @@
           <p:cNvPr id="2" name="Заголовок 1">
             <a:extLst>
               <a:ext uri="{FF2B5EF4-FFF2-40B4-BE49-F238E27FC236}">
-                <a16:creationId xmlns:a16="http://schemas.microsoft.com/office/drawing/2014/main" id="{A79BC0EF-A400-4701-A631-4FBE6177CF19}"/>
+                <a16:creationId xmlns:a16="http://schemas.microsoft.com/office/drawing/2014/main" xmlns="" id="{A79BC0EF-A400-4701-A631-4FBE6177CF19}"/>
               </a:ext>
             </a:extLst>
           </p:cNvPr>
@@ -7721,10 +7734,10 @@
           <p:cNvPr id="10" name="Straight Connector 14">
             <a:extLst>
               <a:ext uri="{FF2B5EF4-FFF2-40B4-BE49-F238E27FC236}">
-                <a16:creationId xmlns:a16="http://schemas.microsoft.com/office/drawing/2014/main" id="{BA22713B-ABB6-4391-97F9-0449A2B9B664}"/>
+                <a16:creationId xmlns:a16="http://schemas.microsoft.com/office/drawing/2014/main" xmlns="" id="{BA22713B-ABB6-4391-97F9-0449A2B9B664}"/>
               </a:ext>
               <a:ext uri="{C183D7F6-B498-43B3-948B-1728B52AA6E4}">
-                <adec:decorative xmlns:adec="http://schemas.microsoft.com/office/drawing/2017/decorative" val="1"/>
+                <adec:decorative xmlns:adec="http://schemas.microsoft.com/office/drawing/2017/decorative" xmlns="" val="1"/>
               </a:ext>
             </a:extLst>
           </p:cNvPr>
@@ -7734,7 +7747,7 @@
           <p:nvPr>
             <p:extLst>
               <p:ext uri="{386F3935-93C4-4BCD-93E2-E3B085C9AB24}">
-                <p16:designElem xmlns:p16="http://schemas.microsoft.com/office/powerpoint/2015/main" val="1"/>
+                <p16:designElem xmlns:p16="http://schemas.microsoft.com/office/powerpoint/2015/main" xmlns="" val="1"/>
               </p:ext>
             </p:extLst>
           </p:nvPr>
@@ -7776,10 +7789,10 @@
           <p:cNvPr id="12" name="Rectangle 16">
             <a:extLst>
               <a:ext uri="{FF2B5EF4-FFF2-40B4-BE49-F238E27FC236}">
-                <a16:creationId xmlns:a16="http://schemas.microsoft.com/office/drawing/2014/main" id="{8D4480B4-953D-41FA-9052-09AB3A026947}"/>
+                <a16:creationId xmlns:a16="http://schemas.microsoft.com/office/drawing/2014/main" xmlns="" id="{8D4480B4-953D-41FA-9052-09AB3A026947}"/>
               </a:ext>
               <a:ext uri="{C183D7F6-B498-43B3-948B-1728B52AA6E4}">
-                <adec:decorative xmlns:adec="http://schemas.microsoft.com/office/drawing/2017/decorative" val="1"/>
+                <adec:decorative xmlns:adec="http://schemas.microsoft.com/office/drawing/2017/decorative" xmlns="" val="1"/>
               </a:ext>
             </a:extLst>
           </p:cNvPr>
@@ -7789,7 +7802,7 @@
           <p:nvPr>
             <p:extLst>
               <p:ext uri="{386F3935-93C4-4BCD-93E2-E3B085C9AB24}">
-                <p16:designElem xmlns:p16="http://schemas.microsoft.com/office/powerpoint/2015/main" val="1"/>
+                <p16:designElem xmlns:p16="http://schemas.microsoft.com/office/powerpoint/2015/main" xmlns="" val="1"/>
               </p:ext>
             </p:extLst>
           </p:nvPr>
@@ -7831,7 +7844,7 @@
           <p:cNvPr id="3" name="Рисунок 4" descr="Изображение выглядит как текст, карта&#10;&#10;Описание создано с очень высокой степенью достоверности">
             <a:extLst>
               <a:ext uri="{FF2B5EF4-FFF2-40B4-BE49-F238E27FC236}">
-                <a16:creationId xmlns:a16="http://schemas.microsoft.com/office/drawing/2014/main" id="{12C0F651-D1AE-4FC9-B1A2-8A2DFD73D6A3}"/>
+                <a16:creationId xmlns:a16="http://schemas.microsoft.com/office/drawing/2014/main" xmlns="" id="{12C0F651-D1AE-4FC9-B1A2-8A2DFD73D6A3}"/>
               </a:ext>
             </a:extLst>
           </p:cNvPr>
@@ -7899,10 +7912,10 @@
           <p:cNvPr id="22" name="Rectangle 21">
             <a:extLst>
               <a:ext uri="{FF2B5EF4-FFF2-40B4-BE49-F238E27FC236}">
-                <a16:creationId xmlns:a16="http://schemas.microsoft.com/office/drawing/2014/main" id="{39E3965E-AC41-4711-9D10-E25ABB132D86}"/>
+                <a16:creationId xmlns:a16="http://schemas.microsoft.com/office/drawing/2014/main" xmlns="" id="{39E3965E-AC41-4711-9D10-E25ABB132D86}"/>
               </a:ext>
               <a:ext uri="{C183D7F6-B498-43B3-948B-1728B52AA6E4}">
-                <adec:decorative xmlns:adec="http://schemas.microsoft.com/office/drawing/2017/decorative" val="1"/>
+                <adec:decorative xmlns:adec="http://schemas.microsoft.com/office/drawing/2017/decorative" xmlns="" val="1"/>
               </a:ext>
             </a:extLst>
           </p:cNvPr>
@@ -7912,7 +7925,7 @@
           <p:nvPr>
             <p:extLst>
               <p:ext uri="{386F3935-93C4-4BCD-93E2-E3B085C9AB24}">
-                <p16:designElem xmlns:p16="http://schemas.microsoft.com/office/powerpoint/2015/main" val="1"/>
+                <p16:designElem xmlns:p16="http://schemas.microsoft.com/office/powerpoint/2015/main" xmlns="" val="1"/>
               </p:ext>
             </p:extLst>
           </p:nvPr>
@@ -7954,10 +7967,10 @@
           <p:cNvPr id="24" name="Straight Connector 23">
             <a:extLst>
               <a:ext uri="{FF2B5EF4-FFF2-40B4-BE49-F238E27FC236}">
-                <a16:creationId xmlns:a16="http://schemas.microsoft.com/office/drawing/2014/main" id="{1F5DC8C3-BA5F-4EED-BB9A-A14272BD82A1}"/>
+                <a16:creationId xmlns:a16="http://schemas.microsoft.com/office/drawing/2014/main" xmlns="" id="{1F5DC8C3-BA5F-4EED-BB9A-A14272BD82A1}"/>
               </a:ext>
               <a:ext uri="{C183D7F6-B498-43B3-948B-1728B52AA6E4}">
-                <adec:decorative xmlns:adec="http://schemas.microsoft.com/office/drawing/2017/decorative" val="1"/>
+                <adec:decorative xmlns:adec="http://schemas.microsoft.com/office/drawing/2017/decorative" xmlns="" val="1"/>
               </a:ext>
             </a:extLst>
           </p:cNvPr>
@@ -7967,7 +7980,7 @@
           <p:nvPr>
             <p:extLst>
               <p:ext uri="{386F3935-93C4-4BCD-93E2-E3B085C9AB24}">
-                <p16:designElem xmlns:p16="http://schemas.microsoft.com/office/powerpoint/2015/main" val="1"/>
+                <p16:designElem xmlns:p16="http://schemas.microsoft.com/office/powerpoint/2015/main" xmlns="" val="1"/>
               </p:ext>
             </p:extLst>
           </p:nvPr>
@@ -8009,10 +8022,10 @@
           <p:cNvPr id="26" name="Rectangle 25">
             <a:extLst>
               <a:ext uri="{FF2B5EF4-FFF2-40B4-BE49-F238E27FC236}">
-                <a16:creationId xmlns:a16="http://schemas.microsoft.com/office/drawing/2014/main" id="{33428ACC-71EC-4171-9527-10983BA6B41D}"/>
+                <a16:creationId xmlns:a16="http://schemas.microsoft.com/office/drawing/2014/main" xmlns="" id="{33428ACC-71EC-4171-9527-10983BA6B41D}"/>
               </a:ext>
               <a:ext uri="{C183D7F6-B498-43B3-948B-1728B52AA6E4}">
-                <adec:decorative xmlns:adec="http://schemas.microsoft.com/office/drawing/2017/decorative" val="1"/>
+                <adec:decorative xmlns:adec="http://schemas.microsoft.com/office/drawing/2017/decorative" xmlns="" val="1"/>
               </a:ext>
             </a:extLst>
           </p:cNvPr>
@@ -8022,7 +8035,7 @@
           <p:nvPr>
             <p:extLst>
               <p:ext uri="{386F3935-93C4-4BCD-93E2-E3B085C9AB24}">
-                <p16:designElem xmlns:p16="http://schemas.microsoft.com/office/powerpoint/2015/main" val="1"/>
+                <p16:designElem xmlns:p16="http://schemas.microsoft.com/office/powerpoint/2015/main" xmlns="" val="1"/>
               </p:ext>
             </p:extLst>
           </p:nvPr>
@@ -8069,7 +8082,7 @@
           <p:cNvPr id="2" name="Заголовок 1">
             <a:extLst>
               <a:ext uri="{FF2B5EF4-FFF2-40B4-BE49-F238E27FC236}">
-                <a16:creationId xmlns:a16="http://schemas.microsoft.com/office/drawing/2014/main" id="{7403DD22-A4B9-4325-A891-47DFB1EB48CD}"/>
+                <a16:creationId xmlns:a16="http://schemas.microsoft.com/office/drawing/2014/main" xmlns="" id="{7403DD22-A4B9-4325-A891-47DFB1EB48CD}"/>
               </a:ext>
             </a:extLst>
           </p:cNvPr>
@@ -8115,10 +8128,10 @@
           <p:cNvPr id="28" name="Straight Connector 27">
             <a:extLst>
               <a:ext uri="{FF2B5EF4-FFF2-40B4-BE49-F238E27FC236}">
-                <a16:creationId xmlns:a16="http://schemas.microsoft.com/office/drawing/2014/main" id="{BA22713B-ABB6-4391-97F9-0449A2B9B664}"/>
+                <a16:creationId xmlns:a16="http://schemas.microsoft.com/office/drawing/2014/main" xmlns="" id="{BA22713B-ABB6-4391-97F9-0449A2B9B664}"/>
               </a:ext>
               <a:ext uri="{C183D7F6-B498-43B3-948B-1728B52AA6E4}">
-                <adec:decorative xmlns:adec="http://schemas.microsoft.com/office/drawing/2017/decorative" val="1"/>
+                <adec:decorative xmlns:adec="http://schemas.microsoft.com/office/drawing/2017/decorative" xmlns="" val="1"/>
               </a:ext>
             </a:extLst>
           </p:cNvPr>
@@ -8128,7 +8141,7 @@
           <p:nvPr>
             <p:extLst>
               <p:ext uri="{386F3935-93C4-4BCD-93E2-E3B085C9AB24}">
-                <p16:designElem xmlns:p16="http://schemas.microsoft.com/office/powerpoint/2015/main" val="1"/>
+                <p16:designElem xmlns:p16="http://schemas.microsoft.com/office/powerpoint/2015/main" xmlns="" val="1"/>
               </p:ext>
             </p:extLst>
           </p:nvPr>
@@ -8170,10 +8183,10 @@
           <p:cNvPr id="30" name="Rectangle 29">
             <a:extLst>
               <a:ext uri="{FF2B5EF4-FFF2-40B4-BE49-F238E27FC236}">
-                <a16:creationId xmlns:a16="http://schemas.microsoft.com/office/drawing/2014/main" id="{8D4480B4-953D-41FA-9052-09AB3A026947}"/>
+                <a16:creationId xmlns:a16="http://schemas.microsoft.com/office/drawing/2014/main" xmlns="" id="{8D4480B4-953D-41FA-9052-09AB3A026947}"/>
               </a:ext>
               <a:ext uri="{C183D7F6-B498-43B3-948B-1728B52AA6E4}">
-                <adec:decorative xmlns:adec="http://schemas.microsoft.com/office/drawing/2017/decorative" val="1"/>
+                <adec:decorative xmlns:adec="http://schemas.microsoft.com/office/drawing/2017/decorative" xmlns="" val="1"/>
               </a:ext>
             </a:extLst>
           </p:cNvPr>
@@ -8183,7 +8196,7 @@
           <p:nvPr>
             <p:extLst>
               <p:ext uri="{386F3935-93C4-4BCD-93E2-E3B085C9AB24}">
-                <p16:designElem xmlns:p16="http://schemas.microsoft.com/office/powerpoint/2015/main" val="1"/>
+                <p16:designElem xmlns:p16="http://schemas.microsoft.com/office/powerpoint/2015/main" xmlns="" val="1"/>
               </p:ext>
             </p:extLst>
           </p:nvPr>
@@ -8225,7 +8238,7 @@
           <p:cNvPr id="4" name="Рисунок 4" descr="Изображение выглядит как текст, карта&#10;&#10;Описание создано с очень высокой степенью достоверности">
             <a:extLst>
               <a:ext uri="{FF2B5EF4-FFF2-40B4-BE49-F238E27FC236}">
-                <a16:creationId xmlns:a16="http://schemas.microsoft.com/office/drawing/2014/main" id="{857B5A32-1098-4081-8A4F-430537534EBD}"/>
+                <a16:creationId xmlns:a16="http://schemas.microsoft.com/office/drawing/2014/main" xmlns="" id="{857B5A32-1098-4081-8A4F-430537534EBD}"/>
               </a:ext>
             </a:extLst>
           </p:cNvPr>
@@ -8293,10 +8306,10 @@
           <p:cNvPr id="22" name="Rectangle 21">
             <a:extLst>
               <a:ext uri="{FF2B5EF4-FFF2-40B4-BE49-F238E27FC236}">
-                <a16:creationId xmlns:a16="http://schemas.microsoft.com/office/drawing/2014/main" id="{39E3965E-AC41-4711-9D10-E25ABB132D86}"/>
+                <a16:creationId xmlns:a16="http://schemas.microsoft.com/office/drawing/2014/main" xmlns="" id="{39E3965E-AC41-4711-9D10-E25ABB132D86}"/>
               </a:ext>
               <a:ext uri="{C183D7F6-B498-43B3-948B-1728B52AA6E4}">
-                <adec:decorative xmlns:adec="http://schemas.microsoft.com/office/drawing/2017/decorative" val="1"/>
+                <adec:decorative xmlns:adec="http://schemas.microsoft.com/office/drawing/2017/decorative" xmlns="" val="1"/>
               </a:ext>
             </a:extLst>
           </p:cNvPr>
@@ -8306,7 +8319,7 @@
           <p:nvPr>
             <p:extLst>
               <p:ext uri="{386F3935-93C4-4BCD-93E2-E3B085C9AB24}">
-                <p16:designElem xmlns:p16="http://schemas.microsoft.com/office/powerpoint/2015/main" val="1"/>
+                <p16:designElem xmlns:p16="http://schemas.microsoft.com/office/powerpoint/2015/main" xmlns="" val="1"/>
               </p:ext>
             </p:extLst>
           </p:nvPr>
@@ -8348,10 +8361,10 @@
           <p:cNvPr id="24" name="Straight Connector 23">
             <a:extLst>
               <a:ext uri="{FF2B5EF4-FFF2-40B4-BE49-F238E27FC236}">
-                <a16:creationId xmlns:a16="http://schemas.microsoft.com/office/drawing/2014/main" id="{1F5DC8C3-BA5F-4EED-BB9A-A14272BD82A1}"/>
+                <a16:creationId xmlns:a16="http://schemas.microsoft.com/office/drawing/2014/main" xmlns="" id="{1F5DC8C3-BA5F-4EED-BB9A-A14272BD82A1}"/>
               </a:ext>
               <a:ext uri="{C183D7F6-B498-43B3-948B-1728B52AA6E4}">
-                <adec:decorative xmlns:adec="http://schemas.microsoft.com/office/drawing/2017/decorative" val="1"/>
+                <adec:decorative xmlns:adec="http://schemas.microsoft.com/office/drawing/2017/decorative" xmlns="" val="1"/>
               </a:ext>
             </a:extLst>
           </p:cNvPr>
@@ -8361,7 +8374,7 @@
           <p:nvPr>
             <p:extLst>
               <p:ext uri="{386F3935-93C4-4BCD-93E2-E3B085C9AB24}">
-                <p16:designElem xmlns:p16="http://schemas.microsoft.com/office/powerpoint/2015/main" val="1"/>
+                <p16:designElem xmlns:p16="http://schemas.microsoft.com/office/powerpoint/2015/main" xmlns="" val="1"/>
               </p:ext>
             </p:extLst>
           </p:nvPr>
@@ -8403,10 +8416,10 @@
           <p:cNvPr id="26" name="Rectangle 25">
             <a:extLst>
               <a:ext uri="{FF2B5EF4-FFF2-40B4-BE49-F238E27FC236}">
-                <a16:creationId xmlns:a16="http://schemas.microsoft.com/office/drawing/2014/main" id="{33428ACC-71EC-4171-9527-10983BA6B41D}"/>
+                <a16:creationId xmlns:a16="http://schemas.microsoft.com/office/drawing/2014/main" xmlns="" id="{33428ACC-71EC-4171-9527-10983BA6B41D}"/>
               </a:ext>
               <a:ext uri="{C183D7F6-B498-43B3-948B-1728B52AA6E4}">
-                <adec:decorative xmlns:adec="http://schemas.microsoft.com/office/drawing/2017/decorative" val="1"/>
+                <adec:decorative xmlns:adec="http://schemas.microsoft.com/office/drawing/2017/decorative" xmlns="" val="1"/>
               </a:ext>
             </a:extLst>
           </p:cNvPr>
@@ -8416,7 +8429,7 @@
           <p:nvPr>
             <p:extLst>
               <p:ext uri="{386F3935-93C4-4BCD-93E2-E3B085C9AB24}">
-                <p16:designElem xmlns:p16="http://schemas.microsoft.com/office/powerpoint/2015/main" val="1"/>
+                <p16:designElem xmlns:p16="http://schemas.microsoft.com/office/powerpoint/2015/main" xmlns="" val="1"/>
               </p:ext>
             </p:extLst>
           </p:nvPr>
@@ -8463,7 +8476,7 @@
           <p:cNvPr id="2" name="Заголовок 1">
             <a:extLst>
               <a:ext uri="{FF2B5EF4-FFF2-40B4-BE49-F238E27FC236}">
-                <a16:creationId xmlns:a16="http://schemas.microsoft.com/office/drawing/2014/main" id="{7403DD22-A4B9-4325-A891-47DFB1EB48CD}"/>
+                <a16:creationId xmlns:a16="http://schemas.microsoft.com/office/drawing/2014/main" xmlns="" id="{7403DD22-A4B9-4325-A891-47DFB1EB48CD}"/>
               </a:ext>
             </a:extLst>
           </p:cNvPr>
@@ -8505,10 +8518,10 @@
           <p:cNvPr id="28" name="Straight Connector 27">
             <a:extLst>
               <a:ext uri="{FF2B5EF4-FFF2-40B4-BE49-F238E27FC236}">
-                <a16:creationId xmlns:a16="http://schemas.microsoft.com/office/drawing/2014/main" id="{BA22713B-ABB6-4391-97F9-0449A2B9B664}"/>
+                <a16:creationId xmlns:a16="http://schemas.microsoft.com/office/drawing/2014/main" xmlns="" id="{BA22713B-ABB6-4391-97F9-0449A2B9B664}"/>
               </a:ext>
               <a:ext uri="{C183D7F6-B498-43B3-948B-1728B52AA6E4}">
-                <adec:decorative xmlns:adec="http://schemas.microsoft.com/office/drawing/2017/decorative" val="1"/>
+                <adec:decorative xmlns:adec="http://schemas.microsoft.com/office/drawing/2017/decorative" xmlns="" val="1"/>
               </a:ext>
             </a:extLst>
           </p:cNvPr>
@@ -8518,7 +8531,7 @@
           <p:nvPr>
             <p:extLst>
               <p:ext uri="{386F3935-93C4-4BCD-93E2-E3B085C9AB24}">
-                <p16:designElem xmlns:p16="http://schemas.microsoft.com/office/powerpoint/2015/main" val="1"/>
+                <p16:designElem xmlns:p16="http://schemas.microsoft.com/office/powerpoint/2015/main" xmlns="" val="1"/>
               </p:ext>
             </p:extLst>
           </p:nvPr>
@@ -8560,10 +8573,10 @@
           <p:cNvPr id="30" name="Rectangle 29">
             <a:extLst>
               <a:ext uri="{FF2B5EF4-FFF2-40B4-BE49-F238E27FC236}">
-                <a16:creationId xmlns:a16="http://schemas.microsoft.com/office/drawing/2014/main" id="{8D4480B4-953D-41FA-9052-09AB3A026947}"/>
+                <a16:creationId xmlns:a16="http://schemas.microsoft.com/office/drawing/2014/main" xmlns="" id="{8D4480B4-953D-41FA-9052-09AB3A026947}"/>
               </a:ext>
               <a:ext uri="{C183D7F6-B498-43B3-948B-1728B52AA6E4}">
-                <adec:decorative xmlns:adec="http://schemas.microsoft.com/office/drawing/2017/decorative" val="1"/>
+                <adec:decorative xmlns:adec="http://schemas.microsoft.com/office/drawing/2017/decorative" xmlns="" val="1"/>
               </a:ext>
             </a:extLst>
           </p:cNvPr>
@@ -8573,7 +8586,7 @@
           <p:nvPr>
             <p:extLst>
               <p:ext uri="{386F3935-93C4-4BCD-93E2-E3B085C9AB24}">
-                <p16:designElem xmlns:p16="http://schemas.microsoft.com/office/powerpoint/2015/main" val="1"/>
+                <p16:designElem xmlns:p16="http://schemas.microsoft.com/office/powerpoint/2015/main" xmlns="" val="1"/>
               </p:ext>
             </p:extLst>
           </p:nvPr>
@@ -8615,7 +8628,7 @@
           <p:cNvPr id="4" name="Рисунок 4">
             <a:extLst>
               <a:ext uri="{FF2B5EF4-FFF2-40B4-BE49-F238E27FC236}">
-                <a16:creationId xmlns:a16="http://schemas.microsoft.com/office/drawing/2014/main" id="{437CC666-B40F-4543-9EE3-095A7C42B658}"/>
+                <a16:creationId xmlns:a16="http://schemas.microsoft.com/office/drawing/2014/main" xmlns="" id="{437CC666-B40F-4543-9EE3-095A7C42B658}"/>
               </a:ext>
             </a:extLst>
           </p:cNvPr>
@@ -8696,7 +8709,7 @@
     </a:clrScheme>
     <a:fontScheme name="Retrospect">
       <a:majorFont>
-        <a:latin typeface="Avenir Next LT Pro Light" panose="020F0302020204030204"/>
+        <a:latin typeface="Avenir Next LT Pro Light"/>
         <a:ea typeface=""/>
         <a:cs typeface=""/>
         <a:font script="Jpan" typeface="ＭＳ Ｐゴシック"/>
@@ -8731,7 +8744,7 @@
         <a:font script="Geor" typeface="Sylfaen"/>
       </a:majorFont>
       <a:minorFont>
-        <a:latin typeface="Avenir Next LT Pro" panose="020F0502020204030204"/>
+        <a:latin typeface="Avenir Next LT Pro"/>
         <a:ea typeface=""/>
         <a:cs typeface=""/>
         <a:font script="Jpan" typeface="ＭＳ Ｐゴシック"/>
@@ -8930,7 +8943,7 @@
   <a:extraClrSchemeLst/>
   <a:extLst>
     <a:ext uri="{05A4C25C-085E-4340-85A3-A5531E510DB2}">
-      <thm15:themeFamily xmlns:thm15="http://schemas.microsoft.com/office/thememl/2012/main" name="RetrospectVTI" id="{ABE3C30C-0FC0-4450-828E-52DE70F1BCCB}" vid="{A6E2497D-935A-4CFD-B9FD-6DCB15FA68BF}"/>
+      <thm15:themeFamily xmlns:thm15="http://schemas.microsoft.com/office/thememl/2012/main" xmlns="" name="RetrospectVTI" id="{ABE3C30C-0FC0-4450-828E-52DE70F1BCCB}" vid="{A6E2497D-935A-4CFD-B9FD-6DCB15FA68BF}"/>
     </a:ext>
   </a:extLst>
 </a:theme>
